--- a/Song_Analysis.pptx
+++ b/Song_Analysis.pptx
@@ -5,30 +5,31 @@
     <p:sldMasterId id="2147483659" r:id="rId1"/>
   </p:sldMasterIdLst>
   <p:notesMasterIdLst>
-    <p:notesMasterId r:id="rId8"/>
+    <p:notesMasterId r:id="rId9"/>
   </p:notesMasterIdLst>
   <p:sldIdLst>
     <p:sldId id="256" r:id="rId2"/>
     <p:sldId id="257" r:id="rId3"/>
-    <p:sldId id="258" r:id="rId4"/>
-    <p:sldId id="259" r:id="rId5"/>
-    <p:sldId id="260" r:id="rId6"/>
-    <p:sldId id="261" r:id="rId7"/>
+    <p:sldId id="267" r:id="rId4"/>
+    <p:sldId id="266" r:id="rId5"/>
+    <p:sldId id="265" r:id="rId6"/>
+    <p:sldId id="264" r:id="rId7"/>
+    <p:sldId id="259" r:id="rId8"/>
   </p:sldIdLst>
   <p:sldSz cx="12192000" cy="6858000"/>
   <p:notesSz cx="6858000" cy="9144000"/>
   <p:embeddedFontLst>
     <p:embeddedFont>
       <p:font typeface="Calibri" panose="020F0502020204030204" pitchFamily="34" charset="0"/>
-      <p:regular r:id="rId9"/>
-      <p:bold r:id="rId10"/>
-      <p:italic r:id="rId11"/>
-      <p:boldItalic r:id="rId12"/>
+      <p:regular r:id="rId10"/>
+      <p:bold r:id="rId11"/>
+      <p:italic r:id="rId12"/>
+      <p:boldItalic r:id="rId13"/>
     </p:embeddedFont>
     <p:embeddedFont>
       <p:font typeface="Gill Sans" panose="020B0604020202020204" charset="0"/>
-      <p:regular r:id="rId13"/>
-      <p:bold r:id="rId14"/>
+      <p:regular r:id="rId14"/>
+      <p:bold r:id="rId15"/>
     </p:embeddedFont>
   </p:embeddedFontLst>
   <p:defaultTextStyle>
@@ -260,6 +261,11 @@
       </a:defRPr>
     </a:lvl9pPr>
   </p:defaultTextStyle>
+  <p:extLst>
+    <p:ext uri="{EFAFB233-063F-42B5-8137-9DF3F51BA10A}">
+      <p15:sldGuideLst xmlns:p15="http://schemas.microsoft.com/office/powerpoint/2012/main"/>
+    </p:ext>
+  </p:extLst>
 </p:presentation>
 </file>
 
@@ -1562,7 +1568,60 @@
               </a:spcAft>
               <a:buNone/>
             </a:pPr>
-            <a:endParaRPr/>
+            <a:r>
+              <a:rPr lang="en-US" dirty="0"/>
+              <a:t>Noor Habib</a:t>
+            </a:r>
+          </a:p>
+          <a:p>
+            <a:pPr marL="0" lvl="0" indent="0" algn="l" rtl="0">
+              <a:spcBef>
+                <a:spcPts val="0"/>
+              </a:spcBef>
+              <a:spcAft>
+                <a:spcPts val="0"/>
+              </a:spcAft>
+              <a:buNone/>
+            </a:pPr>
+            <a:r>
+              <a:rPr lang="en-US" dirty="0"/>
+              <a:t>We wanted to have fun! </a:t>
+            </a:r>
+          </a:p>
+          <a:p>
+            <a:pPr marL="0" lvl="0" indent="0" algn="l" rtl="0">
+              <a:spcBef>
+                <a:spcPts val="0"/>
+              </a:spcBef>
+              <a:spcAft>
+                <a:spcPts val="0"/>
+              </a:spcAft>
+              <a:buNone/>
+            </a:pPr>
+            <a:r>
+              <a:rPr lang="en-US" dirty="0"/>
+              <a:t>Music was a fun topic to analyze with a lot of tools and sources available. </a:t>
+            </a:r>
+          </a:p>
+          <a:p>
+            <a:pPr marL="0" lvl="0" indent="0" algn="l" rtl="0">
+              <a:spcBef>
+                <a:spcPts val="0"/>
+              </a:spcBef>
+              <a:spcAft>
+                <a:spcPts val="0"/>
+              </a:spcAft>
+              <a:buNone/>
+            </a:pPr>
+            <a:r>
+              <a:rPr lang="en-US" dirty="0"/>
+              <a:t>Wanted to see more stats about songs and what goes behind the features of a song that contribute to the song’s statistics and predict how audiences will respond to a song </a:t>
+            </a:r>
+            <a:r>
+              <a:rPr lang="en-US"/>
+              <a:t>without having heard it.</a:t>
+            </a:r>
+            <a:endParaRPr dirty="0"/>
           </a:p>
         </p:txBody>
       </p:sp>
@@ -1671,7 +1730,11 @@
               </a:spcAft>
               <a:buNone/>
             </a:pPr>
-            <a:endParaRPr/>
+            <a:r>
+              <a:rPr lang="en-US" dirty="0"/>
+              <a:t>Mav Sanchez</a:t>
+            </a:r>
+            <a:endParaRPr dirty="0"/>
           </a:p>
         </p:txBody>
       </p:sp>
@@ -1729,7 +1792,7 @@
   <p:cSld>
     <p:spTree>
       <p:nvGrpSpPr>
-        <p:cNvPr id="1" name="Shape 118"/>
+        <p:cNvPr id="1" name="Shape 110"/>
         <p:cNvGrpSpPr/>
         <p:nvPr/>
       </p:nvGrpSpPr>
@@ -1743,7 +1806,7 @@
       </p:grpSpPr>
       <p:sp>
         <p:nvSpPr>
-          <p:cNvPr id="119" name="Google Shape;119;g781ca618b0_0_0:notes"/>
+          <p:cNvPr id="111" name="Google Shape;111;p2:notes"/>
           <p:cNvSpPr txBox="1">
             <a:spLocks noGrp="1"/>
           </p:cNvSpPr>
@@ -1754,7 +1817,7 @@
         <p:spPr>
           <a:xfrm>
             <a:off x="685800" y="4400550"/>
-            <a:ext cx="5486400" cy="3600600"/>
+            <a:ext cx="5486400" cy="3600450"/>
           </a:xfrm>
           <a:prstGeom prst="rect">
             <a:avLst/>
@@ -1775,13 +1838,120 @@
               </a:spcAft>
               <a:buNone/>
             </a:pPr>
-            <a:endParaRPr/>
+            <a:r>
+              <a:rPr lang="en-US" dirty="0"/>
+              <a:t>Noor Habib</a:t>
+            </a:r>
+          </a:p>
+          <a:p>
+            <a:pPr marL="0" lvl="0" indent="0" algn="l" rtl="0">
+              <a:spcBef>
+                <a:spcPts val="0"/>
+              </a:spcBef>
+              <a:spcAft>
+                <a:spcPts val="0"/>
+              </a:spcAft>
+              <a:buNone/>
+            </a:pPr>
+            <a:r>
+              <a:rPr lang="en-US" dirty="0"/>
+              <a:t>Lowercased</a:t>
+            </a:r>
+          </a:p>
+          <a:p>
+            <a:pPr marL="0" lvl="0" indent="0" algn="l" rtl="0">
+              <a:spcBef>
+                <a:spcPts val="0"/>
+              </a:spcBef>
+              <a:spcAft>
+                <a:spcPts val="0"/>
+              </a:spcAft>
+              <a:buNone/>
+            </a:pPr>
+            <a:r>
+              <a:rPr lang="en-US" dirty="0"/>
+              <a:t>Filtered out </a:t>
+            </a:r>
+            <a:r>
+              <a:rPr lang="en-US" dirty="0" err="1"/>
+              <a:t>stopwords</a:t>
+            </a:r>
+            <a:r>
+              <a:rPr lang="en-US" dirty="0"/>
+              <a:t> – not enough for the </a:t>
+            </a:r>
+            <a:r>
+              <a:rPr lang="en-US" dirty="0" err="1"/>
+              <a:t>bargraph</a:t>
+            </a:r>
+            <a:r>
+              <a:rPr lang="en-US" dirty="0"/>
+              <a:t> but not applied for the </a:t>
+            </a:r>
+            <a:r>
+              <a:rPr lang="en-US" dirty="0" err="1"/>
+              <a:t>wordcloud</a:t>
+            </a:r>
+            <a:endParaRPr lang="en-US" dirty="0"/>
+          </a:p>
+          <a:p>
+            <a:pPr marL="0" lvl="0" indent="0" algn="l" rtl="0">
+              <a:spcBef>
+                <a:spcPts val="0"/>
+              </a:spcBef>
+              <a:spcAft>
+                <a:spcPts val="0"/>
+              </a:spcAft>
+              <a:buNone/>
+            </a:pPr>
+            <a:r>
+              <a:rPr lang="en-US" dirty="0"/>
+              <a:t>Filtered out explicit content</a:t>
+            </a:r>
+          </a:p>
+          <a:p>
+            <a:pPr marL="0" lvl="0" indent="0" algn="l" rtl="0">
+              <a:spcBef>
+                <a:spcPts val="0"/>
+              </a:spcBef>
+              <a:spcAft>
+                <a:spcPts val="0"/>
+              </a:spcAft>
+              <a:buNone/>
+            </a:pPr>
+            <a:r>
+              <a:rPr lang="en-US" dirty="0"/>
+              <a:t>Stemming words – ensured the root word is what was displayed. Conjugation didn’t play a factor</a:t>
+            </a:r>
+          </a:p>
+          <a:p>
+            <a:pPr marL="0" lvl="0" indent="0" algn="l" rtl="0">
+              <a:spcBef>
+                <a:spcPts val="0"/>
+              </a:spcBef>
+              <a:spcAft>
+                <a:spcPts val="0"/>
+              </a:spcAft>
+              <a:buNone/>
+            </a:pPr>
+            <a:r>
+              <a:rPr lang="en-US" dirty="0"/>
+              <a:t>Found </a:t>
+            </a:r>
+            <a:r>
+              <a:rPr lang="en-US" dirty="0" err="1"/>
+              <a:t>textblob</a:t>
+            </a:r>
+            <a:r>
+              <a:rPr lang="en-US" dirty="0"/>
+              <a:t> was naturally collocating words – turned off this feature</a:t>
+            </a:r>
           </a:p>
         </p:txBody>
       </p:sp>
       <p:sp>
         <p:nvSpPr>
-          <p:cNvPr id="120" name="Google Shape;120;g781ca618b0_0_0:notes"/>
+          <p:cNvPr id="112" name="Google Shape;112;p2:notes"/>
           <p:cNvSpPr>
             <a:spLocks noGrp="1" noRot="1" noChangeAspect="1"/>
           </p:cNvSpPr>
@@ -1821,6 +1991,11 @@
         </p:spPr>
       </p:sp>
     </p:spTree>
+    <p:extLst>
+      <p:ext uri="{BB962C8B-B14F-4D97-AF65-F5344CB8AC3E}">
+        <p14:creationId xmlns:p14="http://schemas.microsoft.com/office/powerpoint/2010/main" val="3086033697"/>
+      </p:ext>
+    </p:extLst>
   </p:cSld>
   <p:clrMapOvr>
     <a:masterClrMapping/>
@@ -1829,6 +2004,349 @@
 </file>
 
 <file path=ppt/notesSlides/notesSlide4.xml><?xml version="1.0" encoding="utf-8"?>
+<p:notes xmlns:a="http://schemas.openxmlformats.org/drawingml/2006/main" xmlns:r="http://schemas.openxmlformats.org/officeDocument/2006/relationships" xmlns:p="http://schemas.openxmlformats.org/presentationml/2006/main" showMasterSp="0" showMasterPhAnim="0">
+  <p:cSld>
+    <p:spTree>
+      <p:nvGrpSpPr>
+        <p:cNvPr id="1" name="Shape 110"/>
+        <p:cNvGrpSpPr/>
+        <p:nvPr/>
+      </p:nvGrpSpPr>
+      <p:grpSpPr>
+        <a:xfrm>
+          <a:off x="0" y="0"/>
+          <a:ext cx="0" cy="0"/>
+          <a:chOff x="0" y="0"/>
+          <a:chExt cx="0" cy="0"/>
+        </a:xfrm>
+      </p:grpSpPr>
+      <p:sp>
+        <p:nvSpPr>
+          <p:cNvPr id="111" name="Google Shape;111;p2:notes"/>
+          <p:cNvSpPr txBox="1">
+            <a:spLocks noGrp="1"/>
+          </p:cNvSpPr>
+          <p:nvPr>
+            <p:ph type="body" idx="1"/>
+          </p:nvPr>
+        </p:nvSpPr>
+        <p:spPr>
+          <a:xfrm>
+            <a:off x="685800" y="4400550"/>
+            <a:ext cx="5486400" cy="3600450"/>
+          </a:xfrm>
+          <a:prstGeom prst="rect">
+            <a:avLst/>
+          </a:prstGeom>
+        </p:spPr>
+        <p:txBody>
+          <a:bodyPr spcFirstLastPara="1" wrap="square" lIns="91425" tIns="45700" rIns="91425" bIns="45700" anchor="t" anchorCtr="0">
+            <a:noAutofit/>
+          </a:bodyPr>
+          <a:lstStyle/>
+          <a:p>
+            <a:pPr marL="0" lvl="0" indent="0" algn="l" rtl="0">
+              <a:spcBef>
+                <a:spcPts val="0"/>
+              </a:spcBef>
+              <a:spcAft>
+                <a:spcPts val="0"/>
+              </a:spcAft>
+              <a:buNone/>
+            </a:pPr>
+            <a:r>
+              <a:rPr lang="en-US" dirty="0"/>
+              <a:t>Lei </a:t>
+            </a:r>
+            <a:r>
+              <a:rPr lang="en-US" dirty="0" err="1"/>
+              <a:t>Sabarre</a:t>
+            </a:r>
+            <a:endParaRPr dirty="0"/>
+          </a:p>
+        </p:txBody>
+      </p:sp>
+      <p:sp>
+        <p:nvSpPr>
+          <p:cNvPr id="112" name="Google Shape;112;p2:notes"/>
+          <p:cNvSpPr>
+            <a:spLocks noGrp="1" noRot="1" noChangeAspect="1"/>
+          </p:cNvSpPr>
+          <p:nvPr>
+            <p:ph type="sldImg" idx="2"/>
+          </p:nvPr>
+        </p:nvSpPr>
+        <p:spPr>
+          <a:xfrm>
+            <a:off x="685800" y="1143000"/>
+            <a:ext cx="5486400" cy="3086100"/>
+          </a:xfrm>
+          <a:custGeom>
+            <a:avLst/>
+            <a:gdLst/>
+            <a:ahLst/>
+            <a:cxnLst/>
+            <a:rect l="l" t="t" r="r" b="b"/>
+            <a:pathLst>
+              <a:path w="120000" h="120000" extrusionOk="0">
+                <a:moveTo>
+                  <a:pt x="0" y="0"/>
+                </a:moveTo>
+                <a:lnTo>
+                  <a:pt x="120000" y="0"/>
+                </a:lnTo>
+                <a:lnTo>
+                  <a:pt x="120000" y="120000"/>
+                </a:lnTo>
+                <a:lnTo>
+                  <a:pt x="0" y="120000"/>
+                </a:lnTo>
+                <a:close/>
+              </a:path>
+            </a:pathLst>
+          </a:custGeom>
+        </p:spPr>
+      </p:sp>
+    </p:spTree>
+    <p:extLst>
+      <p:ext uri="{BB962C8B-B14F-4D97-AF65-F5344CB8AC3E}">
+        <p14:creationId xmlns:p14="http://schemas.microsoft.com/office/powerpoint/2010/main" val="3492639770"/>
+      </p:ext>
+    </p:extLst>
+  </p:cSld>
+  <p:clrMapOvr>
+    <a:masterClrMapping/>
+  </p:clrMapOvr>
+</p:notes>
+</file>
+
+<file path=ppt/notesSlides/notesSlide5.xml><?xml version="1.0" encoding="utf-8"?>
+<p:notes xmlns:a="http://schemas.openxmlformats.org/drawingml/2006/main" xmlns:r="http://schemas.openxmlformats.org/officeDocument/2006/relationships" xmlns:p="http://schemas.openxmlformats.org/presentationml/2006/main" showMasterSp="0" showMasterPhAnim="0">
+  <p:cSld>
+    <p:spTree>
+      <p:nvGrpSpPr>
+        <p:cNvPr id="1" name="Shape 110"/>
+        <p:cNvGrpSpPr/>
+        <p:nvPr/>
+      </p:nvGrpSpPr>
+      <p:grpSpPr>
+        <a:xfrm>
+          <a:off x="0" y="0"/>
+          <a:ext cx="0" cy="0"/>
+          <a:chOff x="0" y="0"/>
+          <a:chExt cx="0" cy="0"/>
+        </a:xfrm>
+      </p:grpSpPr>
+      <p:sp>
+        <p:nvSpPr>
+          <p:cNvPr id="111" name="Google Shape;111;p2:notes"/>
+          <p:cNvSpPr txBox="1">
+            <a:spLocks noGrp="1"/>
+          </p:cNvSpPr>
+          <p:nvPr>
+            <p:ph type="body" idx="1"/>
+          </p:nvPr>
+        </p:nvSpPr>
+        <p:spPr>
+          <a:xfrm>
+            <a:off x="685800" y="4400550"/>
+            <a:ext cx="5486400" cy="3600450"/>
+          </a:xfrm>
+          <a:prstGeom prst="rect">
+            <a:avLst/>
+          </a:prstGeom>
+        </p:spPr>
+        <p:txBody>
+          <a:bodyPr spcFirstLastPara="1" wrap="square" lIns="91425" tIns="45700" rIns="91425" bIns="45700" anchor="t" anchorCtr="0">
+            <a:noAutofit/>
+          </a:bodyPr>
+          <a:lstStyle/>
+          <a:p>
+            <a:pPr marL="0" lvl="0" indent="0" algn="l" rtl="0">
+              <a:spcBef>
+                <a:spcPts val="0"/>
+              </a:spcBef>
+              <a:spcAft>
+                <a:spcPts val="0"/>
+              </a:spcAft>
+              <a:buNone/>
+            </a:pPr>
+            <a:r>
+              <a:rPr lang="en-US" dirty="0"/>
+              <a:t>Sam Struthers</a:t>
+            </a:r>
+            <a:endParaRPr dirty="0"/>
+          </a:p>
+        </p:txBody>
+      </p:sp>
+      <p:sp>
+        <p:nvSpPr>
+          <p:cNvPr id="112" name="Google Shape;112;p2:notes"/>
+          <p:cNvSpPr>
+            <a:spLocks noGrp="1" noRot="1" noChangeAspect="1"/>
+          </p:cNvSpPr>
+          <p:nvPr>
+            <p:ph type="sldImg" idx="2"/>
+          </p:nvPr>
+        </p:nvSpPr>
+        <p:spPr>
+          <a:xfrm>
+            <a:off x="685800" y="1143000"/>
+            <a:ext cx="5486400" cy="3086100"/>
+          </a:xfrm>
+          <a:custGeom>
+            <a:avLst/>
+            <a:gdLst/>
+            <a:ahLst/>
+            <a:cxnLst/>
+            <a:rect l="l" t="t" r="r" b="b"/>
+            <a:pathLst>
+              <a:path w="120000" h="120000" extrusionOk="0">
+                <a:moveTo>
+                  <a:pt x="0" y="0"/>
+                </a:moveTo>
+                <a:lnTo>
+                  <a:pt x="120000" y="0"/>
+                </a:lnTo>
+                <a:lnTo>
+                  <a:pt x="120000" y="120000"/>
+                </a:lnTo>
+                <a:lnTo>
+                  <a:pt x="0" y="120000"/>
+                </a:lnTo>
+                <a:close/>
+              </a:path>
+            </a:pathLst>
+          </a:custGeom>
+        </p:spPr>
+      </p:sp>
+    </p:spTree>
+    <p:extLst>
+      <p:ext uri="{BB962C8B-B14F-4D97-AF65-F5344CB8AC3E}">
+        <p14:creationId xmlns:p14="http://schemas.microsoft.com/office/powerpoint/2010/main" val="1206111590"/>
+      </p:ext>
+    </p:extLst>
+  </p:cSld>
+  <p:clrMapOvr>
+    <a:masterClrMapping/>
+  </p:clrMapOvr>
+</p:notes>
+</file>
+
+<file path=ppt/notesSlides/notesSlide6.xml><?xml version="1.0" encoding="utf-8"?>
+<p:notes xmlns:a="http://schemas.openxmlformats.org/drawingml/2006/main" xmlns:r="http://schemas.openxmlformats.org/officeDocument/2006/relationships" xmlns:p="http://schemas.openxmlformats.org/presentationml/2006/main" showMasterSp="0" showMasterPhAnim="0">
+  <p:cSld>
+    <p:spTree>
+      <p:nvGrpSpPr>
+        <p:cNvPr id="1" name="Shape 110"/>
+        <p:cNvGrpSpPr/>
+        <p:nvPr/>
+      </p:nvGrpSpPr>
+      <p:grpSpPr>
+        <a:xfrm>
+          <a:off x="0" y="0"/>
+          <a:ext cx="0" cy="0"/>
+          <a:chOff x="0" y="0"/>
+          <a:chExt cx="0" cy="0"/>
+        </a:xfrm>
+      </p:grpSpPr>
+      <p:sp>
+        <p:nvSpPr>
+          <p:cNvPr id="111" name="Google Shape;111;p2:notes"/>
+          <p:cNvSpPr txBox="1">
+            <a:spLocks noGrp="1"/>
+          </p:cNvSpPr>
+          <p:nvPr>
+            <p:ph type="body" idx="1"/>
+          </p:nvPr>
+        </p:nvSpPr>
+        <p:spPr>
+          <a:xfrm>
+            <a:off x="685800" y="4400550"/>
+            <a:ext cx="5486400" cy="3600450"/>
+          </a:xfrm>
+          <a:prstGeom prst="rect">
+            <a:avLst/>
+          </a:prstGeom>
+        </p:spPr>
+        <p:txBody>
+          <a:bodyPr spcFirstLastPara="1" wrap="square" lIns="91425" tIns="45700" rIns="91425" bIns="45700" anchor="t" anchorCtr="0">
+            <a:noAutofit/>
+          </a:bodyPr>
+          <a:lstStyle/>
+          <a:p>
+            <a:pPr marL="0" lvl="0" indent="0" algn="l" rtl="0">
+              <a:spcBef>
+                <a:spcPts val="0"/>
+              </a:spcBef>
+              <a:spcAft>
+                <a:spcPts val="0"/>
+              </a:spcAft>
+              <a:buNone/>
+            </a:pPr>
+            <a:r>
+              <a:rPr lang="en-US" dirty="0"/>
+              <a:t>Mav Sanchez</a:t>
+            </a:r>
+            <a:endParaRPr dirty="0"/>
+          </a:p>
+        </p:txBody>
+      </p:sp>
+      <p:sp>
+        <p:nvSpPr>
+          <p:cNvPr id="112" name="Google Shape;112;p2:notes"/>
+          <p:cNvSpPr>
+            <a:spLocks noGrp="1" noRot="1" noChangeAspect="1"/>
+          </p:cNvSpPr>
+          <p:nvPr>
+            <p:ph type="sldImg" idx="2"/>
+          </p:nvPr>
+        </p:nvSpPr>
+        <p:spPr>
+          <a:xfrm>
+            <a:off x="685800" y="1143000"/>
+            <a:ext cx="5486400" cy="3086100"/>
+          </a:xfrm>
+          <a:custGeom>
+            <a:avLst/>
+            <a:gdLst/>
+            <a:ahLst/>
+            <a:cxnLst/>
+            <a:rect l="l" t="t" r="r" b="b"/>
+            <a:pathLst>
+              <a:path w="120000" h="120000" extrusionOk="0">
+                <a:moveTo>
+                  <a:pt x="0" y="0"/>
+                </a:moveTo>
+                <a:lnTo>
+                  <a:pt x="120000" y="0"/>
+                </a:lnTo>
+                <a:lnTo>
+                  <a:pt x="120000" y="120000"/>
+                </a:lnTo>
+                <a:lnTo>
+                  <a:pt x="0" y="120000"/>
+                </a:lnTo>
+                <a:close/>
+              </a:path>
+            </a:pathLst>
+          </a:custGeom>
+        </p:spPr>
+      </p:sp>
+    </p:spTree>
+    <p:extLst>
+      <p:ext uri="{BB962C8B-B14F-4D97-AF65-F5344CB8AC3E}">
+        <p14:creationId xmlns:p14="http://schemas.microsoft.com/office/powerpoint/2010/main" val="1098379250"/>
+      </p:ext>
+    </p:extLst>
+  </p:cSld>
+  <p:clrMapOvr>
+    <a:masterClrMapping/>
+  </p:clrMapOvr>
+</p:notes>
+</file>
+
+<file path=ppt/notesSlides/notesSlide7.xml><?xml version="1.0" encoding="utf-8"?>
 <p:notes xmlns:a="http://schemas.openxmlformats.org/drawingml/2006/main" xmlns:r="http://schemas.openxmlformats.org/officeDocument/2006/relationships" xmlns:p="http://schemas.openxmlformats.org/presentationml/2006/main" showMasterSp="0" showMasterPhAnim="0">
   <p:cSld>
     <p:spTree>
@@ -1978,335 +2496,7 @@
             </a:pPr>
             <a:fld id="{00000000-1234-1234-1234-123412341234}" type="slidenum">
               <a:rPr lang="en-US"/>
-              <a:t>4</a:t>
-            </a:fld>
-            <a:endParaRPr/>
-          </a:p>
-        </p:txBody>
-      </p:sp>
-    </p:spTree>
-  </p:cSld>
-  <p:clrMapOvr>
-    <a:masterClrMapping/>
-  </p:clrMapOvr>
-</p:notes>
-</file>
-
-<file path=ppt/notesSlides/notesSlide5.xml><?xml version="1.0" encoding="utf-8"?>
-<p:notes xmlns:a="http://schemas.openxmlformats.org/drawingml/2006/main" xmlns:r="http://schemas.openxmlformats.org/officeDocument/2006/relationships" xmlns:p="http://schemas.openxmlformats.org/presentationml/2006/main" showMasterSp="0" showMasterPhAnim="0">
-  <p:cSld>
-    <p:spTree>
-      <p:nvGrpSpPr>
-        <p:cNvPr id="1" name="Shape 140"/>
-        <p:cNvGrpSpPr/>
-        <p:nvPr/>
-      </p:nvGrpSpPr>
-      <p:grpSpPr>
-        <a:xfrm>
-          <a:off x="0" y="0"/>
-          <a:ext cx="0" cy="0"/>
-          <a:chOff x="0" y="0"/>
-          <a:chExt cx="0" cy="0"/>
-        </a:xfrm>
-      </p:grpSpPr>
-      <p:sp>
-        <p:nvSpPr>
-          <p:cNvPr id="141" name="Google Shape;141;p4:notes"/>
-          <p:cNvSpPr>
-            <a:spLocks noGrp="1" noRot="1" noChangeAspect="1"/>
-          </p:cNvSpPr>
-          <p:nvPr>
-            <p:ph type="sldImg" idx="2"/>
-          </p:nvPr>
-        </p:nvSpPr>
-        <p:spPr>
-          <a:xfrm>
-            <a:off x="685800" y="1143000"/>
-            <a:ext cx="5486400" cy="3086100"/>
-          </a:xfrm>
-          <a:custGeom>
-            <a:avLst/>
-            <a:gdLst/>
-            <a:ahLst/>
-            <a:cxnLst/>
-            <a:rect l="l" t="t" r="r" b="b"/>
-            <a:pathLst>
-              <a:path w="120000" h="120000" extrusionOk="0">
-                <a:moveTo>
-                  <a:pt x="0" y="0"/>
-                </a:moveTo>
-                <a:lnTo>
-                  <a:pt x="120000" y="0"/>
-                </a:lnTo>
-                <a:lnTo>
-                  <a:pt x="120000" y="120000"/>
-                </a:lnTo>
-                <a:lnTo>
-                  <a:pt x="0" y="120000"/>
-                </a:lnTo>
-                <a:close/>
-              </a:path>
-            </a:pathLst>
-          </a:custGeom>
-          <a:noFill/>
-          <a:ln w="12700" cap="flat" cmpd="sng">
-            <a:solidFill>
-              <a:srgbClr val="000000"/>
-            </a:solidFill>
-            <a:prstDash val="solid"/>
-            <a:round/>
-            <a:headEnd type="none" w="sm" len="sm"/>
-            <a:tailEnd type="none" w="sm" len="sm"/>
-          </a:ln>
-        </p:spPr>
-      </p:sp>
-      <p:sp>
-        <p:nvSpPr>
-          <p:cNvPr id="142" name="Google Shape;142;p4:notes"/>
-          <p:cNvSpPr txBox="1">
-            <a:spLocks noGrp="1"/>
-          </p:cNvSpPr>
-          <p:nvPr>
-            <p:ph type="body" idx="1"/>
-          </p:nvPr>
-        </p:nvSpPr>
-        <p:spPr>
-          <a:xfrm>
-            <a:off x="685800" y="4400550"/>
-            <a:ext cx="5486400" cy="3600450"/>
-          </a:xfrm>
-          <a:prstGeom prst="rect">
-            <a:avLst/>
-          </a:prstGeom>
-          <a:noFill/>
-          <a:ln>
-            <a:noFill/>
-          </a:ln>
-        </p:spPr>
-        <p:txBody>
-          <a:bodyPr spcFirstLastPara="1" wrap="square" lIns="91425" tIns="45700" rIns="91425" bIns="45700" anchor="t" anchorCtr="0">
-            <a:noAutofit/>
-          </a:bodyPr>
-          <a:lstStyle/>
-          <a:p>
-            <a:pPr marL="0" lvl="0" indent="0" algn="l" rtl="0">
-              <a:spcBef>
-                <a:spcPts val="0"/>
-              </a:spcBef>
-              <a:spcAft>
-                <a:spcPts val="0"/>
-              </a:spcAft>
-              <a:buNone/>
-            </a:pPr>
-            <a:endParaRPr/>
-          </a:p>
-        </p:txBody>
-      </p:sp>
-      <p:sp>
-        <p:nvSpPr>
-          <p:cNvPr id="143" name="Google Shape;143;p4:notes"/>
-          <p:cNvSpPr txBox="1">
-            <a:spLocks noGrp="1"/>
-          </p:cNvSpPr>
-          <p:nvPr>
-            <p:ph type="sldNum" idx="12"/>
-          </p:nvPr>
-        </p:nvSpPr>
-        <p:spPr>
-          <a:xfrm>
-            <a:off x="3884613" y="8685213"/>
-            <a:ext cx="2971800" cy="458787"/>
-          </a:xfrm>
-          <a:prstGeom prst="rect">
-            <a:avLst/>
-          </a:prstGeom>
-          <a:noFill/>
-          <a:ln>
-            <a:noFill/>
-          </a:ln>
-        </p:spPr>
-        <p:txBody>
-          <a:bodyPr spcFirstLastPara="1" wrap="square" lIns="91425" tIns="45700" rIns="91425" bIns="45700" anchor="b" anchorCtr="0">
-            <a:noAutofit/>
-          </a:bodyPr>
-          <a:lstStyle/>
-          <a:p>
-            <a:pPr marL="0" lvl="0" indent="0" algn="r" rtl="0">
-              <a:spcBef>
-                <a:spcPts val="0"/>
-              </a:spcBef>
-              <a:spcAft>
-                <a:spcPts val="0"/>
-              </a:spcAft>
-              <a:buNone/>
-            </a:pPr>
-            <a:fld id="{00000000-1234-1234-1234-123412341234}" type="slidenum">
-              <a:rPr lang="en-US"/>
-              <a:t>5</a:t>
-            </a:fld>
-            <a:endParaRPr/>
-          </a:p>
-        </p:txBody>
-      </p:sp>
-    </p:spTree>
-  </p:cSld>
-  <p:clrMapOvr>
-    <a:masterClrMapping/>
-  </p:clrMapOvr>
-</p:notes>
-</file>
-
-<file path=ppt/notesSlides/notesSlide6.xml><?xml version="1.0" encoding="utf-8"?>
-<p:notes xmlns:a="http://schemas.openxmlformats.org/drawingml/2006/main" xmlns:r="http://schemas.openxmlformats.org/officeDocument/2006/relationships" xmlns:p="http://schemas.openxmlformats.org/presentationml/2006/main" showMasterSp="0" showMasterPhAnim="0">
-  <p:cSld>
-    <p:spTree>
-      <p:nvGrpSpPr>
-        <p:cNvPr id="1" name="Shape 158"/>
-        <p:cNvGrpSpPr/>
-        <p:nvPr/>
-      </p:nvGrpSpPr>
-      <p:grpSpPr>
-        <a:xfrm>
-          <a:off x="0" y="0"/>
-          <a:ext cx="0" cy="0"/>
-          <a:chOff x="0" y="0"/>
-          <a:chExt cx="0" cy="0"/>
-        </a:xfrm>
-      </p:grpSpPr>
-      <p:sp>
-        <p:nvSpPr>
-          <p:cNvPr id="159" name="Google Shape;159;p5:notes"/>
-          <p:cNvSpPr>
-            <a:spLocks noGrp="1" noRot="1" noChangeAspect="1"/>
-          </p:cNvSpPr>
-          <p:nvPr>
-            <p:ph type="sldImg" idx="2"/>
-          </p:nvPr>
-        </p:nvSpPr>
-        <p:spPr>
-          <a:xfrm>
-            <a:off x="685800" y="1143000"/>
-            <a:ext cx="5486400" cy="3086100"/>
-          </a:xfrm>
-          <a:custGeom>
-            <a:avLst/>
-            <a:gdLst/>
-            <a:ahLst/>
-            <a:cxnLst/>
-            <a:rect l="l" t="t" r="r" b="b"/>
-            <a:pathLst>
-              <a:path w="120000" h="120000" extrusionOk="0">
-                <a:moveTo>
-                  <a:pt x="0" y="0"/>
-                </a:moveTo>
-                <a:lnTo>
-                  <a:pt x="120000" y="0"/>
-                </a:lnTo>
-                <a:lnTo>
-                  <a:pt x="120000" y="120000"/>
-                </a:lnTo>
-                <a:lnTo>
-                  <a:pt x="0" y="120000"/>
-                </a:lnTo>
-                <a:close/>
-              </a:path>
-            </a:pathLst>
-          </a:custGeom>
-          <a:noFill/>
-          <a:ln w="12700" cap="flat" cmpd="sng">
-            <a:solidFill>
-              <a:srgbClr val="000000"/>
-            </a:solidFill>
-            <a:prstDash val="solid"/>
-            <a:round/>
-            <a:headEnd type="none" w="sm" len="sm"/>
-            <a:tailEnd type="none" w="sm" len="sm"/>
-          </a:ln>
-        </p:spPr>
-      </p:sp>
-      <p:sp>
-        <p:nvSpPr>
-          <p:cNvPr id="160" name="Google Shape;160;p5:notes"/>
-          <p:cNvSpPr txBox="1">
-            <a:spLocks noGrp="1"/>
-          </p:cNvSpPr>
-          <p:nvPr>
-            <p:ph type="body" idx="1"/>
-          </p:nvPr>
-        </p:nvSpPr>
-        <p:spPr>
-          <a:xfrm>
-            <a:off x="685800" y="4400550"/>
-            <a:ext cx="5486400" cy="3600450"/>
-          </a:xfrm>
-          <a:prstGeom prst="rect">
-            <a:avLst/>
-          </a:prstGeom>
-          <a:noFill/>
-          <a:ln>
-            <a:noFill/>
-          </a:ln>
-        </p:spPr>
-        <p:txBody>
-          <a:bodyPr spcFirstLastPara="1" wrap="square" lIns="91425" tIns="45700" rIns="91425" bIns="45700" anchor="t" anchorCtr="0">
-            <a:noAutofit/>
-          </a:bodyPr>
-          <a:lstStyle/>
-          <a:p>
-            <a:pPr marL="0" lvl="0" indent="0" algn="l" rtl="0">
-              <a:spcBef>
-                <a:spcPts val="0"/>
-              </a:spcBef>
-              <a:spcAft>
-                <a:spcPts val="0"/>
-              </a:spcAft>
-              <a:buNone/>
-            </a:pPr>
-            <a:endParaRPr/>
-          </a:p>
-        </p:txBody>
-      </p:sp>
-      <p:sp>
-        <p:nvSpPr>
-          <p:cNvPr id="161" name="Google Shape;161;p5:notes"/>
-          <p:cNvSpPr txBox="1">
-            <a:spLocks noGrp="1"/>
-          </p:cNvSpPr>
-          <p:nvPr>
-            <p:ph type="sldNum" idx="12"/>
-          </p:nvPr>
-        </p:nvSpPr>
-        <p:spPr>
-          <a:xfrm>
-            <a:off x="3884613" y="8685213"/>
-            <a:ext cx="2971800" cy="458787"/>
-          </a:xfrm>
-          <a:prstGeom prst="rect">
-            <a:avLst/>
-          </a:prstGeom>
-          <a:noFill/>
-          <a:ln>
-            <a:noFill/>
-          </a:ln>
-        </p:spPr>
-        <p:txBody>
-          <a:bodyPr spcFirstLastPara="1" wrap="square" lIns="91425" tIns="45700" rIns="91425" bIns="45700" anchor="b" anchorCtr="0">
-            <a:noAutofit/>
-          </a:bodyPr>
-          <a:lstStyle/>
-          <a:p>
-            <a:pPr marL="0" lvl="0" indent="0" algn="r" rtl="0">
-              <a:spcBef>
-                <a:spcPts val="0"/>
-              </a:spcBef>
-              <a:spcAft>
-                <a:spcPts val="0"/>
-              </a:spcAft>
-              <a:buNone/>
-            </a:pPr>
-            <a:fld id="{00000000-1234-1234-1234-123412341234}" type="slidenum">
-              <a:rPr lang="en-US"/>
-              <a:t>6</a:t>
+              <a:t>7</a:t>
             </a:fld>
             <a:endParaRPr/>
           </a:p>
@@ -12907,7 +13097,7 @@
         </p:nvSpPr>
         <p:spPr>
           <a:xfrm>
-            <a:off x="0" y="0"/>
+            <a:off x="0" y="-10"/>
             <a:ext cx="12192000" cy="6858000"/>
           </a:xfrm>
           <a:prstGeom prst="rect">
@@ -12949,21 +13139,19 @@
       </p:sp>
       <p:pic>
         <p:nvPicPr>
-          <p:cNvPr id="102" name="Google Shape;102;p13" descr="Digital Connections"/>
+          <p:cNvPr id="102" name="Google Shape;102;p13" descr="Fan raising hands in concert"/>
           <p:cNvPicPr preferRelativeResize="0"/>
           <p:nvPr/>
         </p:nvPicPr>
-        <p:blipFill rotWithShape="1">
-          <a:blip r:embed="rId3">
-            <a:alphaModFix/>
-          </a:blip>
-          <a:srcRect l="13265" t="9090" r="3502"/>
+        <p:blipFill>
+          <a:blip r:embed="rId3"/>
+          <a:srcRect/>
           <a:stretch/>
         </p:blipFill>
         <p:spPr>
           <a:xfrm>
-            <a:off x="20" y="10"/>
-            <a:ext cx="12191980" cy="6857990"/>
+            <a:off x="0" y="0"/>
+            <a:ext cx="12192000" cy="6858000"/>
           </a:xfrm>
           <a:prstGeom prst="rect">
             <a:avLst/>
@@ -12974,141 +13162,6 @@
           </a:ln>
         </p:spPr>
       </p:pic>
-      <p:grpSp>
-        <p:nvGrpSpPr>
-          <p:cNvPr id="103" name="Google Shape;103;p13"/>
-          <p:cNvGrpSpPr/>
-          <p:nvPr/>
-        </p:nvGrpSpPr>
-        <p:grpSpPr>
-          <a:xfrm>
-            <a:off x="446534" y="453643"/>
-            <a:ext cx="11298933" cy="98554"/>
-            <a:chOff x="446534" y="453643"/>
-            <a:chExt cx="11298933" cy="98554"/>
-          </a:xfrm>
-        </p:grpSpPr>
-        <p:sp>
-          <p:nvSpPr>
-            <p:cNvPr id="104" name="Google Shape;104;p13"/>
-            <p:cNvSpPr/>
-            <p:nvPr/>
-          </p:nvSpPr>
-          <p:spPr>
-            <a:xfrm>
-              <a:off x="446534" y="457200"/>
-              <a:ext cx="3703320" cy="94997"/>
-            </a:xfrm>
-            <a:prstGeom prst="rect">
-              <a:avLst/>
-            </a:prstGeom>
-            <a:solidFill>
-              <a:schemeClr val="accent1"/>
-            </a:solidFill>
-            <a:ln>
-              <a:noFill/>
-            </a:ln>
-          </p:spPr>
-          <p:txBody>
-            <a:bodyPr spcFirstLastPara="1" wrap="square" lIns="91425" tIns="91425" rIns="91425" bIns="91425" anchor="ctr" anchorCtr="0">
-              <a:noAutofit/>
-            </a:bodyPr>
-            <a:lstStyle/>
-            <a:p>
-              <a:pPr marL="0" lvl="0" indent="0" algn="l" rtl="0">
-                <a:spcBef>
-                  <a:spcPts val="0"/>
-                </a:spcBef>
-                <a:spcAft>
-                  <a:spcPts val="0"/>
-                </a:spcAft>
-                <a:buNone/>
-              </a:pPr>
-              <a:endParaRPr/>
-            </a:p>
-          </p:txBody>
-        </p:sp>
-        <p:sp>
-          <p:nvSpPr>
-            <p:cNvPr id="105" name="Google Shape;105;p13"/>
-            <p:cNvSpPr/>
-            <p:nvPr/>
-          </p:nvSpPr>
-          <p:spPr>
-            <a:xfrm>
-              <a:off x="8042147" y="453643"/>
-              <a:ext cx="3703320" cy="98554"/>
-            </a:xfrm>
-            <a:prstGeom prst="rect">
-              <a:avLst/>
-            </a:prstGeom>
-            <a:solidFill>
-              <a:schemeClr val="accent4"/>
-            </a:solidFill>
-            <a:ln>
-              <a:noFill/>
-            </a:ln>
-          </p:spPr>
-          <p:txBody>
-            <a:bodyPr spcFirstLastPara="1" wrap="square" lIns="91425" tIns="91425" rIns="91425" bIns="91425" anchor="ctr" anchorCtr="0">
-              <a:noAutofit/>
-            </a:bodyPr>
-            <a:lstStyle/>
-            <a:p>
-              <a:pPr marL="0" lvl="0" indent="0" algn="l" rtl="0">
-                <a:spcBef>
-                  <a:spcPts val="0"/>
-                </a:spcBef>
-                <a:spcAft>
-                  <a:spcPts val="0"/>
-                </a:spcAft>
-                <a:buNone/>
-              </a:pPr>
-              <a:endParaRPr/>
-            </a:p>
-          </p:txBody>
-        </p:sp>
-        <p:sp>
-          <p:nvSpPr>
-            <p:cNvPr id="106" name="Google Shape;106;p13"/>
-            <p:cNvSpPr/>
-            <p:nvPr/>
-          </p:nvSpPr>
-          <p:spPr>
-            <a:xfrm>
-              <a:off x="4241830" y="457200"/>
-              <a:ext cx="3703320" cy="91440"/>
-            </a:xfrm>
-            <a:prstGeom prst="rect">
-              <a:avLst/>
-            </a:prstGeom>
-            <a:solidFill>
-              <a:schemeClr val="accent2"/>
-            </a:solidFill>
-            <a:ln>
-              <a:noFill/>
-            </a:ln>
-          </p:spPr>
-          <p:txBody>
-            <a:bodyPr spcFirstLastPara="1" wrap="square" lIns="91425" tIns="91425" rIns="91425" bIns="91425" anchor="ctr" anchorCtr="0">
-              <a:noAutofit/>
-            </a:bodyPr>
-            <a:lstStyle/>
-            <a:p>
-              <a:pPr marL="0" lvl="0" indent="0" algn="l" rtl="0">
-                <a:spcBef>
-                  <a:spcPts val="0"/>
-                </a:spcBef>
-                <a:spcAft>
-                  <a:spcPts val="0"/>
-                </a:spcAft>
-                <a:buNone/>
-              </a:pPr>
-              <a:endParaRPr/>
-            </a:p>
-          </p:txBody>
-        </p:sp>
-      </p:grpSp>
       <p:sp>
         <p:nvSpPr>
           <p:cNvPr id="107" name="Google Shape;107;p13"/>
@@ -13195,14 +13248,14 @@
               <a:buNone/>
             </a:pPr>
             <a:r>
-              <a:rPr lang="en-US" sz="6000">
+              <a:rPr lang="en-US" sz="6000" dirty="0">
                 <a:solidFill>
                   <a:schemeClr val="lt1"/>
                 </a:solidFill>
               </a:rPr>
               <a:t>SONG ANALYSIS</a:t>
             </a:r>
-            <a:endParaRPr/>
+            <a:endParaRPr dirty="0"/>
           </a:p>
         </p:txBody>
       </p:sp>
@@ -13246,14 +13299,14 @@
               <a:buNone/>
             </a:pPr>
             <a:r>
-              <a:rPr lang="en-US">
+              <a:rPr lang="en-US" dirty="0">
                 <a:solidFill>
                   <a:srgbClr val="7CEBFF"/>
                 </a:solidFill>
               </a:rPr>
               <a:t>NOOR HABIB | LEI SABARRE | MAVERICK SANCHEZ | SAM STRUTHERS</a:t>
             </a:r>
-            <a:endParaRPr/>
+            <a:endParaRPr dirty="0"/>
           </a:p>
           <a:p>
             <a:pPr marL="0" lvl="0" indent="0" algn="l" rtl="0">
@@ -13266,7 +13319,7 @@
               <a:buSzPts val="1472"/>
               <a:buNone/>
             </a:pPr>
-            <a:endParaRPr>
+            <a:endParaRPr dirty="0">
               <a:solidFill>
                 <a:srgbClr val="7CEBFF"/>
               </a:solidFill>
@@ -13307,6 +13360,37 @@
           <a:chExt cx="0" cy="0"/>
         </a:xfrm>
       </p:grpSpPr>
+      <p:pic>
+        <p:nvPicPr>
+          <p:cNvPr id="7" name="Google Shape;164;p18" descr="Close-up of microphone head">
+            <a:extLst>
+              <a:ext uri="{FF2B5EF4-FFF2-40B4-BE49-F238E27FC236}">
+                <a16:creationId xmlns:a16="http://schemas.microsoft.com/office/drawing/2014/main" id="{ECBCE35A-9D60-4828-97D6-722AD8020D58}"/>
+              </a:ext>
+            </a:extLst>
+          </p:cNvPr>
+          <p:cNvPicPr preferRelativeResize="0"/>
+          <p:nvPr/>
+        </p:nvPicPr>
+        <p:blipFill>
+          <a:blip r:embed="rId3"/>
+          <a:srcRect/>
+          <a:stretch/>
+        </p:blipFill>
+        <p:spPr>
+          <a:xfrm>
+            <a:off x="0" y="0"/>
+            <a:ext cx="12191999" cy="6858000"/>
+          </a:xfrm>
+          <a:prstGeom prst="rect">
+            <a:avLst/>
+          </a:prstGeom>
+          <a:noFill/>
+          <a:ln>
+            <a:noFill/>
+          </a:ln>
+        </p:spPr>
+      </p:pic>
       <p:sp>
         <p:nvSpPr>
           <p:cNvPr id="114" name="Google Shape;114;p14"/>
@@ -13319,7 +13403,7 @@
         </p:nvSpPr>
         <p:spPr>
           <a:xfrm>
-            <a:off x="581192" y="702156"/>
+            <a:off x="581191" y="-16935"/>
             <a:ext cx="11029616" cy="1013800"/>
           </a:xfrm>
           <a:prstGeom prst="rect">
@@ -13351,94 +13435,13 @@
               <a:buNone/>
             </a:pPr>
             <a:r>
-              <a:rPr lang="en-US"/>
-              <a:t>TEXTBLOB</a:t>
+              <a:rPr lang="en-US" dirty="0"/>
+              <a:t>Heroku App &amp; Data Sources</a:t>
             </a:r>
             <a:endParaRPr dirty="0"/>
           </a:p>
         </p:txBody>
       </p:sp>
-      <p:sp>
-        <p:nvSpPr>
-          <p:cNvPr id="115" name="Google Shape;115;p14"/>
-          <p:cNvSpPr/>
-          <p:nvPr/>
-        </p:nvSpPr>
-        <p:spPr>
-          <a:xfrm>
-            <a:off x="446533" y="2180496"/>
-            <a:ext cx="5404639" cy="4045683"/>
-          </a:xfrm>
-          <a:prstGeom prst="rect">
-            <a:avLst/>
-          </a:prstGeom>
-          <a:solidFill>
-            <a:schemeClr val="lt1"/>
-          </a:solidFill>
-          <a:ln w="38100" cap="flat" cmpd="sng">
-            <a:solidFill>
-              <a:schemeClr val="accent1"/>
-            </a:solidFill>
-            <a:prstDash val="solid"/>
-            <a:round/>
-            <a:headEnd type="none" w="sm" len="sm"/>
-            <a:tailEnd type="none" w="sm" len="sm"/>
-          </a:ln>
-        </p:spPr>
-        <p:txBody>
-          <a:bodyPr spcFirstLastPara="1" wrap="square" lIns="91425" tIns="45700" rIns="91425" bIns="45700" anchor="ctr" anchorCtr="0">
-            <a:noAutofit/>
-          </a:bodyPr>
-          <a:lstStyle/>
-          <a:p>
-            <a:pPr marL="0" marR="0" lvl="0" indent="0" algn="ctr" rtl="0">
-              <a:spcBef>
-                <a:spcPts val="0"/>
-              </a:spcBef>
-              <a:spcAft>
-                <a:spcPts val="0"/>
-              </a:spcAft>
-              <a:buNone/>
-            </a:pPr>
-            <a:endParaRPr sz="1800" b="0" i="0" u="none" strike="noStrike" cap="none">
-              <a:solidFill>
-                <a:schemeClr val="lt1"/>
-              </a:solidFill>
-              <a:latin typeface="Gill Sans"/>
-              <a:ea typeface="Gill Sans"/>
-              <a:cs typeface="Gill Sans"/>
-              <a:sym typeface="Gill Sans"/>
-            </a:endParaRPr>
-          </a:p>
-        </p:txBody>
-      </p:sp>
-      <p:pic>
-        <p:nvPicPr>
-          <p:cNvPr id="116" name="Google Shape;116;p14"/>
-          <p:cNvPicPr preferRelativeResize="0"/>
-          <p:nvPr/>
-        </p:nvPicPr>
-        <p:blipFill rotWithShape="1">
-          <a:blip r:embed="rId3">
-            <a:alphaModFix/>
-          </a:blip>
-          <a:srcRect r="31324" b="-2"/>
-          <a:stretch/>
-        </p:blipFill>
-        <p:spPr>
-          <a:xfrm>
-            <a:off x="657225" y="2361056"/>
-            <a:ext cx="4962525" cy="3649219"/>
-          </a:xfrm>
-          <a:prstGeom prst="rect">
-            <a:avLst/>
-          </a:prstGeom>
-          <a:noFill/>
-          <a:ln>
-            <a:noFill/>
-          </a:ln>
-        </p:spPr>
-      </p:pic>
       <p:sp>
         <p:nvSpPr>
           <p:cNvPr id="117" name="Google Shape;117;p14"/>
@@ -13451,8 +13454,8 @@
         </p:nvSpPr>
         <p:spPr>
           <a:xfrm>
-            <a:off x="6335805" y="2180496"/>
-            <a:ext cx="5275001" cy="4045683"/>
+            <a:off x="7891689" y="1715956"/>
+            <a:ext cx="3719119" cy="4045683"/>
           </a:xfrm>
           <a:prstGeom prst="rect">
             <a:avLst/>
@@ -13479,65 +13482,186 @@
               <a:buChar char="◼"/>
             </a:pPr>
             <a:r>
-              <a:rPr lang="en-US" dirty="0" err="1"/>
-              <a:t>Stopwords</a:t>
+              <a:rPr lang="en-US" sz="1400" dirty="0">
+                <a:solidFill>
+                  <a:schemeClr val="bg1"/>
+                </a:solidFill>
+              </a:rPr>
+              <a:t>Song Search</a:t>
             </a:r>
-            <a:endParaRPr dirty="0"/>
           </a:p>
           <a:p>
-            <a:pPr marL="306000" lvl="0" indent="-306000" algn="l" rtl="0">
-              <a:spcBef>
-                <a:spcPts val="960"/>
-              </a:spcBef>
-              <a:spcAft>
-                <a:spcPts val="0"/>
-              </a:spcAft>
-              <a:buSzPts val="1656"/>
-              <a:buChar char="◼"/>
+            <a:pPr marL="763200" lvl="1" indent="-306000">
+              <a:spcBef>
+                <a:spcPts val="0"/>
+              </a:spcBef>
             </a:pPr>
             <a:r>
-              <a:rPr lang="en-US" dirty="0"/>
-              <a:t>Explicit content</a:t>
+              <a:rPr lang="en-US" sz="1200" dirty="0">
+                <a:solidFill>
+                  <a:schemeClr val="bg1"/>
+                </a:solidFill>
+              </a:rPr>
+              <a:t>Auto-complete suggestions</a:t>
             </a:r>
-            <a:endParaRPr dirty="0"/>
           </a:p>
           <a:p>
-            <a:pPr marL="306000" lvl="0" indent="-306000" algn="l" rtl="0">
-              <a:spcBef>
-                <a:spcPts val="960"/>
-              </a:spcBef>
-              <a:spcAft>
-                <a:spcPts val="0"/>
-              </a:spcAft>
-              <a:buSzPts val="1656"/>
-              <a:buChar char="◼"/>
+            <a:pPr marL="0" indent="0">
+              <a:spcBef>
+                <a:spcPts val="0"/>
+              </a:spcBef>
+              <a:buNone/>
+            </a:pPr>
+            <a:endParaRPr lang="en-US" sz="1400" dirty="0">
+              <a:solidFill>
+                <a:schemeClr val="bg1"/>
+              </a:solidFill>
+            </a:endParaRPr>
+          </a:p>
+          <a:p>
+            <a:pPr marL="306000" indent="-306000">
+              <a:spcBef>
+                <a:spcPts val="0"/>
+              </a:spcBef>
             </a:pPr>
             <a:r>
-              <a:rPr lang="en-US" dirty="0" err="1"/>
-              <a:t>Textblob</a:t>
+              <a:rPr lang="en-US" sz="1400" dirty="0">
+                <a:solidFill>
+                  <a:schemeClr val="bg1"/>
+                </a:solidFill>
+              </a:rPr>
+              <a:t>Song &amp; Album Info</a:t>
+            </a:r>
+          </a:p>
+          <a:p>
+            <a:pPr marL="763200" lvl="1" indent="-306000">
+              <a:spcBef>
+                <a:spcPts val="0"/>
+              </a:spcBef>
+            </a:pPr>
+            <a:r>
+              <a:rPr lang="en-US" sz="1200" dirty="0">
+                <a:solidFill>
+                  <a:schemeClr val="bg1"/>
+                </a:solidFill>
+              </a:rPr>
+              <a:t>Discography – </a:t>
             </a:r>
             <a:r>
-              <a:rPr lang="en-US" dirty="0"/>
-              <a:t> – timestamp </a:t>
+              <a:rPr lang="en-US" sz="1200" dirty="0" err="1">
+                <a:solidFill>
+                  <a:schemeClr val="bg1"/>
+                </a:solidFill>
+              </a:rPr>
+              <a:t>LyricsGenius</a:t>
+            </a:r>
+            <a:endParaRPr lang="en-US" sz="1200" dirty="0">
+              <a:solidFill>
+                <a:schemeClr val="bg1"/>
+              </a:solidFill>
+            </a:endParaRPr>
+          </a:p>
+          <a:p>
+            <a:pPr marL="763200" lvl="1" indent="-306000">
+              <a:spcBef>
+                <a:spcPts val="0"/>
+              </a:spcBef>
+            </a:pPr>
+            <a:r>
+              <a:rPr lang="en-US" sz="1200" dirty="0">
+                <a:solidFill>
+                  <a:schemeClr val="bg1"/>
+                </a:solidFill>
+              </a:rPr>
+              <a:t>Album Cover – </a:t>
             </a:r>
             <a:r>
-              <a:rPr lang="en-US" dirty="0" err="1"/>
-              <a:t>png</a:t>
+              <a:rPr lang="en-US" sz="1200" dirty="0" err="1">
+                <a:solidFill>
+                  <a:schemeClr val="bg1"/>
+                </a:solidFill>
+              </a:rPr>
+              <a:t>LyricsGenius</a:t>
             </a:r>
-            <a:endParaRPr dirty="0"/>
+            <a:endParaRPr lang="en-US" sz="1200" dirty="0">
+              <a:solidFill>
+                <a:schemeClr val="bg1"/>
+              </a:solidFill>
+            </a:endParaRPr>
           </a:p>
           <a:p>
-            <a:pPr marL="306000" lvl="0" indent="-200844" algn="l" rtl="0">
-              <a:spcBef>
-                <a:spcPts val="960"/>
-              </a:spcBef>
-              <a:spcAft>
-                <a:spcPts val="0"/>
-              </a:spcAft>
-              <a:buSzPts val="1656"/>
-              <a:buNone/>
+            <a:pPr marL="763200" lvl="1" indent="-306000">
+              <a:spcBef>
+                <a:spcPts val="0"/>
+              </a:spcBef>
             </a:pPr>
-            <a:endParaRPr dirty="0"/>
+            <a:r>
+              <a:rPr lang="en-US" sz="1200" dirty="0">
+                <a:solidFill>
+                  <a:schemeClr val="bg1"/>
+                </a:solidFill>
+              </a:rPr>
+              <a:t>Lyrics – </a:t>
+            </a:r>
+            <a:r>
+              <a:rPr lang="en-US" sz="1200" dirty="0" err="1">
+                <a:solidFill>
+                  <a:schemeClr val="bg1"/>
+                </a:solidFill>
+              </a:rPr>
+              <a:t>LyricsGenius</a:t>
+            </a:r>
+            <a:endParaRPr lang="en-US" sz="1200" dirty="0">
+              <a:solidFill>
+                <a:schemeClr val="bg1"/>
+              </a:solidFill>
+            </a:endParaRPr>
+          </a:p>
+          <a:p>
+            <a:pPr marL="763200" lvl="1" indent="-306000">
+              <a:spcBef>
+                <a:spcPts val="0"/>
+              </a:spcBef>
+            </a:pPr>
+            <a:r>
+              <a:rPr lang="en-US" sz="1200" dirty="0">
+                <a:solidFill>
+                  <a:schemeClr val="bg1"/>
+                </a:solidFill>
+              </a:rPr>
+              <a:t>Training Data – Spotify, </a:t>
+            </a:r>
+            <a:r>
+              <a:rPr lang="en-US" sz="1200" dirty="0" err="1">
+                <a:solidFill>
+                  <a:schemeClr val="bg1"/>
+                </a:solidFill>
+              </a:rPr>
+              <a:t>LastFM</a:t>
+            </a:r>
+            <a:r>
+              <a:rPr lang="en-US" sz="1200" dirty="0">
+                <a:solidFill>
+                  <a:schemeClr val="bg1"/>
+                </a:solidFill>
+              </a:rPr>
+              <a:t>, Million Songs </a:t>
+            </a:r>
+          </a:p>
+          <a:p>
+            <a:pPr marL="763200" lvl="1" indent="-306000">
+              <a:spcBef>
+                <a:spcPts val="0"/>
+              </a:spcBef>
+            </a:pPr>
+            <a:r>
+              <a:rPr lang="en-US" sz="1200" dirty="0">
+                <a:solidFill>
+                  <a:schemeClr val="bg1"/>
+                </a:solidFill>
+              </a:rPr>
+              <a:t>Song Sample – Spotify </a:t>
+            </a:r>
           </a:p>
         </p:txBody>
       </p:sp>
@@ -13562,7 +13686,7 @@
     </p:bg>
     <p:spTree>
       <p:nvGrpSpPr>
-        <p:cNvPr id="1" name="Shape 121"/>
+        <p:cNvPr id="1" name="Shape 113"/>
         <p:cNvGrpSpPr/>
         <p:nvPr/>
       </p:nvGrpSpPr>
@@ -13574,9 +13698,40 @@
           <a:chExt cx="0" cy="0"/>
         </a:xfrm>
       </p:grpSpPr>
+      <p:pic>
+        <p:nvPicPr>
+          <p:cNvPr id="7" name="Google Shape;164;p18" descr="Close-up of microphone head">
+            <a:extLst>
+              <a:ext uri="{FF2B5EF4-FFF2-40B4-BE49-F238E27FC236}">
+                <a16:creationId xmlns:a16="http://schemas.microsoft.com/office/drawing/2014/main" id="{ECBCE35A-9D60-4828-97D6-722AD8020D58}"/>
+              </a:ext>
+            </a:extLst>
+          </p:cNvPr>
+          <p:cNvPicPr preferRelativeResize="0"/>
+          <p:nvPr/>
+        </p:nvPicPr>
+        <p:blipFill>
+          <a:blip r:embed="rId3"/>
+          <a:srcRect/>
+          <a:stretch/>
+        </p:blipFill>
+        <p:spPr>
+          <a:xfrm>
+            <a:off x="0" y="0"/>
+            <a:ext cx="12191999" cy="6858000"/>
+          </a:xfrm>
+          <a:prstGeom prst="rect">
+            <a:avLst/>
+          </a:prstGeom>
+          <a:noFill/>
+          <a:ln>
+            <a:noFill/>
+          </a:ln>
+        </p:spPr>
+      </p:pic>
       <p:sp>
         <p:nvSpPr>
-          <p:cNvPr id="122" name="Google Shape;122;p15"/>
+          <p:cNvPr id="114" name="Google Shape;114;p14"/>
           <p:cNvSpPr txBox="1">
             <a:spLocks noGrp="1"/>
           </p:cNvSpPr>
@@ -13586,8 +13741,8 @@
         </p:nvSpPr>
         <p:spPr>
           <a:xfrm>
-            <a:off x="581192" y="702156"/>
-            <a:ext cx="11029500" cy="1013700"/>
+            <a:off x="581191" y="-16935"/>
+            <a:ext cx="11029616" cy="1013800"/>
           </a:xfrm>
           <a:prstGeom prst="rect">
             <a:avLst/>
@@ -13618,70 +13773,16 @@
               <a:buNone/>
             </a:pPr>
             <a:r>
-              <a:rPr lang="en-US"/>
-              <a:t>SENTIMENT ANALYSIS</a:t>
+              <a:rPr lang="en-US" dirty="0"/>
+              <a:t>LYRIC NLP</a:t>
             </a:r>
-            <a:endParaRPr/>
+            <a:endParaRPr dirty="0"/>
           </a:p>
         </p:txBody>
       </p:sp>
       <p:sp>
         <p:nvSpPr>
-          <p:cNvPr id="123" name="Google Shape;123;p15"/>
-          <p:cNvSpPr/>
-          <p:nvPr/>
-        </p:nvSpPr>
-        <p:spPr>
-          <a:xfrm>
-            <a:off x="446533" y="2180496"/>
-            <a:ext cx="5404500" cy="4045800"/>
-          </a:xfrm>
-          <a:prstGeom prst="rect">
-            <a:avLst/>
-          </a:prstGeom>
-          <a:solidFill>
-            <a:schemeClr val="lt1"/>
-          </a:solidFill>
-          <a:ln w="38100" cap="flat" cmpd="sng">
-            <a:solidFill>
-              <a:schemeClr val="accent1"/>
-            </a:solidFill>
-            <a:prstDash val="solid"/>
-            <a:round/>
-            <a:headEnd type="none" w="sm" len="sm"/>
-            <a:tailEnd type="none" w="sm" len="sm"/>
-          </a:ln>
-        </p:spPr>
-        <p:txBody>
-          <a:bodyPr spcFirstLastPara="1" wrap="square" lIns="91425" tIns="45700" rIns="91425" bIns="45700" anchor="ctr" anchorCtr="0">
-            <a:noAutofit/>
-          </a:bodyPr>
-          <a:lstStyle/>
-          <a:p>
-            <a:pPr marL="0" marR="0" lvl="0" indent="0" algn="ctr" rtl="0">
-              <a:spcBef>
-                <a:spcPts val="0"/>
-              </a:spcBef>
-              <a:spcAft>
-                <a:spcPts val="0"/>
-              </a:spcAft>
-              <a:buNone/>
-            </a:pPr>
-            <a:endParaRPr sz="1800" b="0" i="0" u="none" strike="noStrike" cap="none">
-              <a:solidFill>
-                <a:schemeClr val="lt1"/>
-              </a:solidFill>
-              <a:latin typeface="Gill Sans"/>
-              <a:ea typeface="Gill Sans"/>
-              <a:cs typeface="Gill Sans"/>
-              <a:sym typeface="Gill Sans"/>
-            </a:endParaRPr>
-          </a:p>
-        </p:txBody>
-      </p:sp>
-      <p:sp>
-        <p:nvSpPr>
-          <p:cNvPr id="124" name="Google Shape;124;p15"/>
+          <p:cNvPr id="117" name="Google Shape;117;p14"/>
           <p:cNvSpPr txBox="1">
             <a:spLocks noGrp="1"/>
           </p:cNvSpPr>
@@ -13691,8 +13792,8 @@
         </p:nvSpPr>
         <p:spPr>
           <a:xfrm>
-            <a:off x="6335805" y="2180496"/>
-            <a:ext cx="5274900" cy="4045800"/>
+            <a:off x="7891689" y="1715956"/>
+            <a:ext cx="3719119" cy="4045683"/>
           </a:xfrm>
           <a:prstGeom prst="rect">
             <a:avLst/>
@@ -13719,169 +13820,286 @@
               <a:buChar char="◼"/>
             </a:pPr>
             <a:r>
-              <a:rPr lang="en-US"/>
-              <a:t>Use of natural language processing/computation analysis to determine understand tone or emotion behind text</a:t>
+              <a:rPr lang="en-US" sz="1600" dirty="0">
+                <a:solidFill>
+                  <a:schemeClr val="bg1"/>
+                </a:solidFill>
+              </a:rPr>
+              <a:t>Lyric Handling</a:t>
             </a:r>
-            <a:endParaRPr/>
           </a:p>
           <a:p>
-            <a:pPr marL="306000" lvl="0" indent="-306000" algn="l" rtl="0">
-              <a:spcBef>
-                <a:spcPts val="0"/>
-              </a:spcBef>
-              <a:spcAft>
-                <a:spcPts val="0"/>
-              </a:spcAft>
-              <a:buSzPts val="1656"/>
-              <a:buChar char="◼"/>
+            <a:pPr marL="763200" lvl="1" indent="-306000">
+              <a:spcBef>
+                <a:spcPts val="0"/>
+              </a:spcBef>
             </a:pPr>
             <a:r>
-              <a:rPr lang="en-US"/>
-              <a:t>Lexical-based approaches using pre-built libraries such as: TextBlob, VADER, AFINN, NLTK</a:t>
+              <a:rPr lang="en-US" sz="1400" dirty="0">
+                <a:solidFill>
+                  <a:schemeClr val="bg1"/>
+                </a:solidFill>
+              </a:rPr>
+              <a:t>Lowercase</a:t>
             </a:r>
-            <a:endParaRPr/>
           </a:p>
           <a:p>
-            <a:pPr marL="306000" lvl="0" indent="-306000" algn="l" rtl="0">
-              <a:spcBef>
-                <a:spcPts val="0"/>
-              </a:spcBef>
-              <a:spcAft>
-                <a:spcPts val="0"/>
-              </a:spcAft>
-              <a:buSzPts val="1656"/>
-              <a:buChar char="◼"/>
+            <a:pPr marL="763200" lvl="1" indent="-306000">
+              <a:spcBef>
+                <a:spcPts val="0"/>
+              </a:spcBef>
             </a:pPr>
             <a:r>
-              <a:rPr lang="en-US"/>
-              <a:t>VADER - </a:t>
+              <a:rPr lang="en-US" sz="1400" dirty="0" err="1">
+                <a:solidFill>
+                  <a:schemeClr val="bg1"/>
+                </a:solidFill>
+              </a:rPr>
+              <a:t>Stopwords</a:t>
+            </a:r>
+            <a:endParaRPr lang="en-US" sz="1400" dirty="0">
+              <a:solidFill>
+                <a:schemeClr val="bg1"/>
+              </a:solidFill>
+            </a:endParaRPr>
+          </a:p>
+          <a:p>
+            <a:pPr marL="763200" lvl="1" indent="-306000">
+              <a:spcBef>
+                <a:spcPts val="0"/>
+              </a:spcBef>
+            </a:pPr>
+            <a:r>
+              <a:rPr lang="en-US" sz="1400" dirty="0">
+                <a:solidFill>
+                  <a:schemeClr val="bg1"/>
+                </a:solidFill>
+              </a:rPr>
+              <a:t>Explicit Content</a:t>
+            </a:r>
+          </a:p>
+          <a:p>
+            <a:pPr marL="763200" lvl="1" indent="-306000">
+              <a:spcBef>
+                <a:spcPts val="0"/>
+              </a:spcBef>
+            </a:pPr>
+            <a:r>
+              <a:rPr lang="en-US" sz="1400" dirty="0">
+                <a:solidFill>
+                  <a:schemeClr val="bg1"/>
+                </a:solidFill>
+              </a:rPr>
+              <a:t>Stemming – Snowball</a:t>
+            </a:r>
+          </a:p>
+          <a:p>
+            <a:pPr marL="763200" lvl="1" indent="-306000">
+              <a:spcBef>
+                <a:spcPts val="0"/>
+              </a:spcBef>
+            </a:pPr>
+            <a:r>
+              <a:rPr lang="en-US" sz="1400" dirty="0">
+                <a:solidFill>
+                  <a:schemeClr val="bg1"/>
+                </a:solidFill>
+              </a:rPr>
+              <a:t>Collocation of words</a:t>
+            </a:r>
+          </a:p>
+          <a:p>
+            <a:pPr marL="0" indent="0">
+              <a:spcBef>
+                <a:spcPts val="0"/>
+              </a:spcBef>
+              <a:buNone/>
+            </a:pPr>
+            <a:endParaRPr lang="en-US" sz="1600" dirty="0">
+              <a:solidFill>
+                <a:schemeClr val="bg1"/>
+              </a:solidFill>
+            </a:endParaRPr>
+          </a:p>
+          <a:p>
+            <a:pPr marL="306000" indent="-306000">
+              <a:spcBef>
+                <a:spcPts val="0"/>
+              </a:spcBef>
+            </a:pPr>
+            <a:r>
+              <a:rPr lang="en-US" sz="1600" dirty="0" err="1">
+                <a:solidFill>
+                  <a:schemeClr val="bg1"/>
+                </a:solidFill>
+              </a:rPr>
+              <a:t>TextBlob</a:t>
+            </a:r>
+            <a:endParaRPr lang="en-US" sz="1600" dirty="0">
+              <a:solidFill>
+                <a:schemeClr val="bg1"/>
+              </a:solidFill>
+            </a:endParaRPr>
+          </a:p>
+          <a:p>
+            <a:pPr marL="763200" lvl="1" indent="-306000">
+              <a:spcBef>
+                <a:spcPts val="0"/>
+              </a:spcBef>
+            </a:pPr>
+            <a:r>
+              <a:rPr lang="en-US" sz="1400" dirty="0" err="1">
+                <a:solidFill>
+                  <a:schemeClr val="bg1"/>
+                </a:solidFill>
+              </a:rPr>
+              <a:t>WordCloud</a:t>
+            </a:r>
+            <a:endParaRPr lang="en-US" sz="1400" dirty="0">
+              <a:solidFill>
+                <a:schemeClr val="bg1"/>
+              </a:solidFill>
+            </a:endParaRPr>
+          </a:p>
+          <a:p>
+            <a:pPr marL="763200" lvl="1" indent="-306000">
+              <a:spcBef>
+                <a:spcPts val="0"/>
+              </a:spcBef>
+            </a:pPr>
+            <a:r>
+              <a:rPr lang="en-US" sz="1400" dirty="0" err="1">
+                <a:solidFill>
+                  <a:schemeClr val="bg1"/>
+                </a:solidFill>
+              </a:rPr>
+              <a:t>Plotly</a:t>
             </a:r>
             <a:r>
-              <a:rPr lang="en-US" b="1"/>
-              <a:t>V</a:t>
+              <a:rPr lang="en-US" sz="1400" dirty="0">
+                <a:solidFill>
+                  <a:schemeClr val="bg1"/>
+                </a:solidFill>
+              </a:rPr>
+              <a:t> </a:t>
             </a:r>
             <a:r>
-              <a:rPr lang="en-US"/>
-              <a:t>alence </a:t>
+              <a:rPr lang="en-US" sz="1400" dirty="0" err="1">
+                <a:solidFill>
+                  <a:schemeClr val="bg1"/>
+                </a:solidFill>
+              </a:rPr>
+              <a:t>BarChart</a:t>
             </a:r>
-            <a:r>
-              <a:rPr lang="en-US" b="1"/>
-              <a:t>A</a:t>
-            </a:r>
-            <a:r>
-              <a:rPr lang="en-US"/>
-              <a:t>ware </a:t>
-            </a:r>
-            <a:r>
-              <a:rPr lang="en-US" b="1"/>
-              <a:t>D</a:t>
-            </a:r>
-            <a:r>
-              <a:rPr lang="en-US"/>
-              <a:t>ictionary and S</a:t>
-            </a:r>
-            <a:r>
-              <a:rPr lang="en-US" b="1"/>
-              <a:t>E</a:t>
-            </a:r>
-            <a:r>
-              <a:rPr lang="en-US"/>
-              <a:t>ntiment </a:t>
-            </a:r>
-            <a:r>
-              <a:rPr lang="en-US" b="1"/>
-              <a:t>R</a:t>
-            </a:r>
-            <a:r>
-              <a:rPr lang="en-US"/>
-              <a:t>easoner</a:t>
-            </a:r>
-            <a:endParaRPr/>
+            <a:endParaRPr lang="en-US" sz="1600" dirty="0">
+              <a:solidFill>
+                <a:schemeClr val="bg1"/>
+              </a:solidFill>
+            </a:endParaRPr>
           </a:p>
           <a:p>
-            <a:pPr marL="457200" lvl="0" indent="-333756" algn="l" rtl="0">
-              <a:spcBef>
-                <a:spcPts val="0"/>
-              </a:spcBef>
-              <a:spcAft>
-                <a:spcPts val="0"/>
-              </a:spcAft>
-              <a:buSzPts val="1656"/>
-              <a:buChar char="-"/>
+            <a:pPr marL="0" indent="0">
+              <a:spcBef>
+                <a:spcPts val="0"/>
+              </a:spcBef>
+              <a:buNone/>
             </a:pPr>
-            <a:r>
-              <a:rPr lang="en-US"/>
-              <a:t>Positive/Negative/Neutral</a:t>
-            </a:r>
-            <a:endParaRPr/>
-          </a:p>
-          <a:p>
-            <a:pPr marL="457200" lvl="0" indent="-333756" algn="l" rtl="0">
-              <a:spcBef>
-                <a:spcPts val="0"/>
-              </a:spcBef>
-              <a:spcAft>
-                <a:spcPts val="0"/>
-              </a:spcAft>
-              <a:buSzPts val="1656"/>
-              <a:buChar char="-"/>
-            </a:pPr>
-            <a:r>
-              <a:rPr lang="en-US"/>
-              <a:t>Compound score</a:t>
-            </a:r>
-            <a:endParaRPr/>
-          </a:p>
-          <a:p>
-            <a:pPr marL="306000" lvl="0" indent="-306000" algn="l" rtl="0">
-              <a:spcBef>
-                <a:spcPts val="0"/>
-              </a:spcBef>
-              <a:spcAft>
-                <a:spcPts val="0"/>
-              </a:spcAft>
-              <a:buSzPts val="1656"/>
-              <a:buChar char="◼"/>
-            </a:pPr>
-            <a:r>
-              <a:rPr lang="en-US"/>
-              <a:t>AFinn - lexicon rated for valence </a:t>
-            </a:r>
-            <a:endParaRPr/>
-          </a:p>
-          <a:p>
-            <a:pPr marL="306000" lvl="0" indent="-200844" algn="l" rtl="0">
-              <a:spcBef>
-                <a:spcPts val="960"/>
-              </a:spcBef>
-              <a:spcAft>
-                <a:spcPts val="0"/>
-              </a:spcAft>
-              <a:buSzPts val="1656"/>
-              <a:buNone/>
-            </a:pPr>
-            <a:endParaRPr/>
+            <a:endParaRPr lang="en-US" sz="1600" dirty="0">
+              <a:solidFill>
+                <a:schemeClr val="bg1"/>
+              </a:solidFill>
+            </a:endParaRPr>
           </a:p>
         </p:txBody>
       </p:sp>
       <p:pic>
         <p:nvPicPr>
-          <p:cNvPr id="125" name="Google Shape;125;p15"/>
+          <p:cNvPr id="2" name="Picture 1">
+            <a:extLst>
+              <a:ext uri="{FF2B5EF4-FFF2-40B4-BE49-F238E27FC236}">
+                <a16:creationId xmlns:a16="http://schemas.microsoft.com/office/drawing/2014/main" id="{281C40AF-C5CD-46EC-96D9-B580D7CCBF71}"/>
+              </a:ext>
+            </a:extLst>
+          </p:cNvPr>
+          <p:cNvPicPr>
+            <a:picLocks noChangeAspect="1"/>
+          </p:cNvPicPr>
+          <p:nvPr/>
+        </p:nvPicPr>
+        <p:blipFill rotWithShape="1">
+          <a:blip r:embed="rId4"/>
+          <a:srcRect l="8314" r="7734"/>
+          <a:stretch/>
+        </p:blipFill>
+        <p:spPr>
+          <a:xfrm>
+            <a:off x="581192" y="1809703"/>
+            <a:ext cx="5363641" cy="4346141"/>
+          </a:xfrm>
+          <a:prstGeom prst="rect">
+            <a:avLst/>
+          </a:prstGeom>
+        </p:spPr>
+      </p:pic>
+    </p:spTree>
+    <p:extLst>
+      <p:ext uri="{BB962C8B-B14F-4D97-AF65-F5344CB8AC3E}">
+        <p14:creationId xmlns:p14="http://schemas.microsoft.com/office/powerpoint/2010/main" val="1893187288"/>
+      </p:ext>
+    </p:extLst>
+  </p:cSld>
+  <p:clrMapOvr>
+    <a:masterClrMapping/>
+  </p:clrMapOvr>
+</p:sld>
+</file>
+
+<file path=ppt/slides/slide4.xml><?xml version="1.0" encoding="utf-8"?>
+<p:sld xmlns:a="http://schemas.openxmlformats.org/drawingml/2006/main" xmlns:r="http://schemas.openxmlformats.org/officeDocument/2006/relationships" xmlns:p="http://schemas.openxmlformats.org/presentationml/2006/main">
+  <p:cSld>
+    <p:bg>
+      <p:bgPr>
+        <a:solidFill>
+          <a:schemeClr val="lt1"/>
+        </a:solidFill>
+        <a:effectLst/>
+      </p:bgPr>
+    </p:bg>
+    <p:spTree>
+      <p:nvGrpSpPr>
+        <p:cNvPr id="1" name="Shape 113"/>
+        <p:cNvGrpSpPr/>
+        <p:nvPr/>
+      </p:nvGrpSpPr>
+      <p:grpSpPr>
+        <a:xfrm>
+          <a:off x="0" y="0"/>
+          <a:ext cx="0" cy="0"/>
+          <a:chOff x="0" y="0"/>
+          <a:chExt cx="0" cy="0"/>
+        </a:xfrm>
+      </p:grpSpPr>
+      <p:pic>
+        <p:nvPicPr>
+          <p:cNvPr id="7" name="Google Shape;164;p18" descr="Close-up of microphone head">
+            <a:extLst>
+              <a:ext uri="{FF2B5EF4-FFF2-40B4-BE49-F238E27FC236}">
+                <a16:creationId xmlns:a16="http://schemas.microsoft.com/office/drawing/2014/main" id="{ECBCE35A-9D60-4828-97D6-722AD8020D58}"/>
+              </a:ext>
+            </a:extLst>
+          </p:cNvPr>
           <p:cNvPicPr preferRelativeResize="0"/>
           <p:nvPr/>
         </p:nvPicPr>
         <p:blipFill>
-          <a:blip r:embed="rId3">
-            <a:alphaModFix/>
-          </a:blip>
-          <a:stretch>
-            <a:fillRect/>
-          </a:stretch>
+          <a:blip r:embed="rId3"/>
+          <a:srcRect/>
+          <a:stretch/>
         </p:blipFill>
         <p:spPr>
           <a:xfrm>
-            <a:off x="666175" y="2379174"/>
-            <a:ext cx="4965191" cy="3648456"/>
+            <a:off x="0" y="0"/>
+            <a:ext cx="12191999" cy="6858000"/>
           </a:xfrm>
           <a:prstGeom prst="rect">
             <a:avLst/>
@@ -13892,7 +14110,363 @@
           </a:ln>
         </p:spPr>
       </p:pic>
+      <p:sp>
+        <p:nvSpPr>
+          <p:cNvPr id="114" name="Google Shape;114;p14"/>
+          <p:cNvSpPr txBox="1">
+            <a:spLocks noGrp="1"/>
+          </p:cNvSpPr>
+          <p:nvPr>
+            <p:ph type="title"/>
+          </p:nvPr>
+        </p:nvSpPr>
+        <p:spPr>
+          <a:xfrm>
+            <a:off x="581191" y="0"/>
+            <a:ext cx="11029616" cy="1013800"/>
+          </a:xfrm>
+          <a:prstGeom prst="rect">
+            <a:avLst/>
+          </a:prstGeom>
+          <a:noFill/>
+          <a:ln>
+            <a:noFill/>
+          </a:ln>
+        </p:spPr>
+        <p:txBody>
+          <a:bodyPr spcFirstLastPara="1" wrap="square" lIns="91425" tIns="45700" rIns="91425" bIns="45700" anchor="b" anchorCtr="0">
+            <a:noAutofit/>
+          </a:bodyPr>
+          <a:lstStyle/>
+          <a:p>
+            <a:pPr lvl="0">
+              <a:buSzPts val="2800"/>
+            </a:pPr>
+            <a:r>
+              <a:rPr lang="en-US" dirty="0"/>
+              <a:t>LYRIC SENTIMENT ANALYSIS</a:t>
+            </a:r>
+            <a:endParaRPr dirty="0"/>
+          </a:p>
+        </p:txBody>
+      </p:sp>
+      <p:sp>
+        <p:nvSpPr>
+          <p:cNvPr id="117" name="Google Shape;117;p14"/>
+          <p:cNvSpPr txBox="1">
+            <a:spLocks noGrp="1"/>
+          </p:cNvSpPr>
+          <p:nvPr>
+            <p:ph type="body" idx="1"/>
+          </p:nvPr>
+        </p:nvSpPr>
+        <p:spPr>
+          <a:xfrm>
+            <a:off x="7891689" y="1715956"/>
+            <a:ext cx="3719119" cy="4045683"/>
+          </a:xfrm>
+          <a:prstGeom prst="rect">
+            <a:avLst/>
+          </a:prstGeom>
+          <a:noFill/>
+          <a:ln>
+            <a:noFill/>
+          </a:ln>
+        </p:spPr>
+        <p:txBody>
+          <a:bodyPr spcFirstLastPara="1" wrap="square" lIns="91425" tIns="45700" rIns="91425" bIns="45700" anchor="ctr" anchorCtr="0">
+            <a:noAutofit/>
+          </a:bodyPr>
+          <a:lstStyle/>
+          <a:p>
+            <a:pPr marL="306000" lvl="0" indent="-306000">
+              <a:spcBef>
+                <a:spcPts val="0"/>
+              </a:spcBef>
+            </a:pPr>
+            <a:r>
+              <a:rPr lang="en-US" sz="1600" dirty="0">
+                <a:solidFill>
+                  <a:schemeClr val="bg1"/>
+                </a:solidFill>
+              </a:rPr>
+              <a:t>Use of natural language processing/computation analysis to determine understand tone or emotion behind text</a:t>
+            </a:r>
+          </a:p>
+          <a:p>
+            <a:pPr marL="0" lvl="0" indent="0">
+              <a:spcBef>
+                <a:spcPts val="0"/>
+              </a:spcBef>
+              <a:buNone/>
+            </a:pPr>
+            <a:endParaRPr lang="en-US" sz="1600" dirty="0">
+              <a:solidFill>
+                <a:schemeClr val="bg1"/>
+              </a:solidFill>
+            </a:endParaRPr>
+          </a:p>
+          <a:p>
+            <a:pPr marL="306000" lvl="0" indent="-306000">
+              <a:spcBef>
+                <a:spcPts val="0"/>
+              </a:spcBef>
+            </a:pPr>
+            <a:r>
+              <a:rPr lang="en-US" sz="1600" dirty="0">
+                <a:solidFill>
+                  <a:schemeClr val="bg1"/>
+                </a:solidFill>
+              </a:rPr>
+              <a:t>Lexical-based approaches using pre-built libraries such as: </a:t>
+            </a:r>
+            <a:r>
+              <a:rPr lang="en-US" sz="1600" dirty="0" err="1">
+                <a:solidFill>
+                  <a:schemeClr val="bg1"/>
+                </a:solidFill>
+              </a:rPr>
+              <a:t>TextBlob</a:t>
+            </a:r>
+            <a:r>
+              <a:rPr lang="en-US" sz="1600" dirty="0">
+                <a:solidFill>
+                  <a:schemeClr val="bg1"/>
+                </a:solidFill>
+              </a:rPr>
+              <a:t>, VADER, AFINN, NLTK</a:t>
+            </a:r>
+          </a:p>
+          <a:p>
+            <a:pPr marL="0" lvl="0" indent="0">
+              <a:spcBef>
+                <a:spcPts val="0"/>
+              </a:spcBef>
+              <a:buNone/>
+            </a:pPr>
+            <a:endParaRPr lang="en-US" sz="1600" dirty="0">
+              <a:solidFill>
+                <a:schemeClr val="bg1"/>
+              </a:solidFill>
+            </a:endParaRPr>
+          </a:p>
+          <a:p>
+            <a:pPr marL="306000" lvl="0" indent="-306000">
+              <a:spcBef>
+                <a:spcPts val="0"/>
+              </a:spcBef>
+            </a:pPr>
+            <a:r>
+              <a:rPr lang="en-US" sz="1600" dirty="0">
+                <a:solidFill>
+                  <a:schemeClr val="bg1"/>
+                </a:solidFill>
+              </a:rPr>
+              <a:t>VADER - </a:t>
+            </a:r>
+            <a:r>
+              <a:rPr lang="en-US" sz="1600" b="1" dirty="0">
+                <a:solidFill>
+                  <a:schemeClr val="bg1"/>
+                </a:solidFill>
+              </a:rPr>
+              <a:t>V</a:t>
+            </a:r>
+            <a:r>
+              <a:rPr lang="en-US" sz="1600" dirty="0">
+                <a:solidFill>
+                  <a:schemeClr val="bg1"/>
+                </a:solidFill>
+              </a:rPr>
+              <a:t>alence </a:t>
+            </a:r>
+            <a:r>
+              <a:rPr lang="en-US" sz="1600" b="1" dirty="0">
+                <a:solidFill>
+                  <a:schemeClr val="bg1"/>
+                </a:solidFill>
+              </a:rPr>
+              <a:t>A</a:t>
+            </a:r>
+            <a:r>
+              <a:rPr lang="en-US" sz="1600" dirty="0">
+                <a:solidFill>
+                  <a:schemeClr val="bg1"/>
+                </a:solidFill>
+              </a:rPr>
+              <a:t>ware </a:t>
+            </a:r>
+            <a:r>
+              <a:rPr lang="en-US" sz="1600" b="1" dirty="0">
+                <a:solidFill>
+                  <a:schemeClr val="bg1"/>
+                </a:solidFill>
+              </a:rPr>
+              <a:t>D</a:t>
+            </a:r>
+            <a:r>
+              <a:rPr lang="en-US" sz="1600" dirty="0">
+                <a:solidFill>
+                  <a:schemeClr val="bg1"/>
+                </a:solidFill>
+              </a:rPr>
+              <a:t>ictionary and </a:t>
+            </a:r>
+            <a:r>
+              <a:rPr lang="en-US" sz="1600" dirty="0" err="1">
+                <a:solidFill>
+                  <a:schemeClr val="bg1"/>
+                </a:solidFill>
+              </a:rPr>
+              <a:t>S</a:t>
+            </a:r>
+            <a:r>
+              <a:rPr lang="en-US" sz="1600" b="1" dirty="0" err="1">
+                <a:solidFill>
+                  <a:schemeClr val="bg1"/>
+                </a:solidFill>
+              </a:rPr>
+              <a:t>E</a:t>
+            </a:r>
+            <a:r>
+              <a:rPr lang="en-US" sz="1600" dirty="0" err="1">
+                <a:solidFill>
+                  <a:schemeClr val="bg1"/>
+                </a:solidFill>
+              </a:rPr>
+              <a:t>ntiment</a:t>
+            </a:r>
+            <a:r>
+              <a:rPr lang="en-US" sz="1600" dirty="0">
+                <a:solidFill>
+                  <a:schemeClr val="bg1"/>
+                </a:solidFill>
+              </a:rPr>
+              <a:t> </a:t>
+            </a:r>
+            <a:r>
+              <a:rPr lang="en-US" sz="1600" b="1" dirty="0">
+                <a:solidFill>
+                  <a:schemeClr val="bg1"/>
+                </a:solidFill>
+              </a:rPr>
+              <a:t>R</a:t>
+            </a:r>
+            <a:r>
+              <a:rPr lang="en-US" sz="1600" dirty="0">
+                <a:solidFill>
+                  <a:schemeClr val="bg1"/>
+                </a:solidFill>
+              </a:rPr>
+              <a:t>easoner</a:t>
+            </a:r>
+          </a:p>
+          <a:p>
+            <a:pPr lvl="0">
+              <a:spcBef>
+                <a:spcPts val="0"/>
+              </a:spcBef>
+              <a:buChar char="-"/>
+            </a:pPr>
+            <a:r>
+              <a:rPr lang="en-US" sz="1600" dirty="0">
+                <a:solidFill>
+                  <a:schemeClr val="bg1"/>
+                </a:solidFill>
+              </a:rPr>
+              <a:t>Positive/Negative/Neutral</a:t>
+            </a:r>
+          </a:p>
+          <a:p>
+            <a:pPr lvl="0">
+              <a:spcBef>
+                <a:spcPts val="0"/>
+              </a:spcBef>
+              <a:buChar char="-"/>
+            </a:pPr>
+            <a:r>
+              <a:rPr lang="en-US" sz="1600" dirty="0">
+                <a:solidFill>
+                  <a:schemeClr val="bg1"/>
+                </a:solidFill>
+              </a:rPr>
+              <a:t>Compound score</a:t>
+            </a:r>
+          </a:p>
+          <a:p>
+            <a:pPr marL="123444" lvl="0" indent="0">
+              <a:spcBef>
+                <a:spcPts val="0"/>
+              </a:spcBef>
+              <a:buNone/>
+            </a:pPr>
+            <a:endParaRPr lang="en-US" sz="1600" dirty="0">
+              <a:solidFill>
+                <a:schemeClr val="bg1"/>
+              </a:solidFill>
+            </a:endParaRPr>
+          </a:p>
+          <a:p>
+            <a:pPr marL="306000" lvl="0" indent="-306000">
+              <a:spcBef>
+                <a:spcPts val="0"/>
+              </a:spcBef>
+            </a:pPr>
+            <a:r>
+              <a:rPr lang="en-US" sz="1600" dirty="0" err="1">
+                <a:solidFill>
+                  <a:schemeClr val="bg1"/>
+                </a:solidFill>
+              </a:rPr>
+              <a:t>AFinn</a:t>
+            </a:r>
+            <a:r>
+              <a:rPr lang="en-US" sz="1600" dirty="0">
+                <a:solidFill>
+                  <a:schemeClr val="bg1"/>
+                </a:solidFill>
+              </a:rPr>
+              <a:t> - lexicon rated for valence </a:t>
+            </a:r>
+          </a:p>
+        </p:txBody>
+      </p:sp>
+      <p:pic>
+        <p:nvPicPr>
+          <p:cNvPr id="3" name="Picture 2">
+            <a:extLst>
+              <a:ext uri="{FF2B5EF4-FFF2-40B4-BE49-F238E27FC236}">
+                <a16:creationId xmlns:a16="http://schemas.microsoft.com/office/drawing/2014/main" id="{604E51AE-3E8E-4628-8DE1-C2E2766B4625}"/>
+              </a:ext>
+            </a:extLst>
+          </p:cNvPr>
+          <p:cNvPicPr>
+            <a:picLocks noChangeAspect="1"/>
+          </p:cNvPicPr>
+          <p:nvPr/>
+        </p:nvPicPr>
+        <p:blipFill>
+          <a:blip r:embed="rId4"/>
+          <a:stretch>
+            <a:fillRect/>
+          </a:stretch>
+        </p:blipFill>
+        <p:spPr>
+          <a:xfrm>
+            <a:off x="581192" y="2025753"/>
+            <a:ext cx="5869339" cy="3426089"/>
+          </a:xfrm>
+          <a:prstGeom prst="rect">
+            <a:avLst/>
+          </a:prstGeom>
+        </p:spPr>
+      </p:pic>
     </p:spTree>
+    <p:extLst>
+      <p:ext uri="{BB962C8B-B14F-4D97-AF65-F5344CB8AC3E}">
+        <p14:creationId xmlns:p14="http://schemas.microsoft.com/office/powerpoint/2010/main" val="2635088848"/>
+      </p:ext>
+    </p:extLst>
   </p:cSld>
   <p:clrMapOvr>
     <a:masterClrMapping/>
@@ -13900,7 +14474,641 @@
 </p:sld>
 </file>
 
-<file path=ppt/slides/slide4.xml><?xml version="1.0" encoding="utf-8"?>
+<file path=ppt/slides/slide5.xml><?xml version="1.0" encoding="utf-8"?>
+<p:sld xmlns:a="http://schemas.openxmlformats.org/drawingml/2006/main" xmlns:r="http://schemas.openxmlformats.org/officeDocument/2006/relationships" xmlns:p="http://schemas.openxmlformats.org/presentationml/2006/main">
+  <p:cSld>
+    <p:bg>
+      <p:bgPr>
+        <a:solidFill>
+          <a:schemeClr val="lt1"/>
+        </a:solidFill>
+        <a:effectLst/>
+      </p:bgPr>
+    </p:bg>
+    <p:spTree>
+      <p:nvGrpSpPr>
+        <p:cNvPr id="1" name="Shape 113"/>
+        <p:cNvGrpSpPr/>
+        <p:nvPr/>
+      </p:nvGrpSpPr>
+      <p:grpSpPr>
+        <a:xfrm>
+          <a:off x="0" y="0"/>
+          <a:ext cx="0" cy="0"/>
+          <a:chOff x="0" y="0"/>
+          <a:chExt cx="0" cy="0"/>
+        </a:xfrm>
+      </p:grpSpPr>
+      <p:pic>
+        <p:nvPicPr>
+          <p:cNvPr id="7" name="Google Shape;164;p18" descr="Close-up of microphone head">
+            <a:extLst>
+              <a:ext uri="{FF2B5EF4-FFF2-40B4-BE49-F238E27FC236}">
+                <a16:creationId xmlns:a16="http://schemas.microsoft.com/office/drawing/2014/main" id="{ECBCE35A-9D60-4828-97D6-722AD8020D58}"/>
+              </a:ext>
+            </a:extLst>
+          </p:cNvPr>
+          <p:cNvPicPr preferRelativeResize="0"/>
+          <p:nvPr/>
+        </p:nvPicPr>
+        <p:blipFill>
+          <a:blip r:embed="rId3"/>
+          <a:srcRect/>
+          <a:stretch/>
+        </p:blipFill>
+        <p:spPr>
+          <a:xfrm>
+            <a:off x="0" y="0"/>
+            <a:ext cx="12191999" cy="6858000"/>
+          </a:xfrm>
+          <a:prstGeom prst="rect">
+            <a:avLst/>
+          </a:prstGeom>
+          <a:noFill/>
+          <a:ln>
+            <a:noFill/>
+          </a:ln>
+        </p:spPr>
+      </p:pic>
+      <p:sp>
+        <p:nvSpPr>
+          <p:cNvPr id="114" name="Google Shape;114;p14"/>
+          <p:cNvSpPr txBox="1">
+            <a:spLocks noGrp="1"/>
+          </p:cNvSpPr>
+          <p:nvPr>
+            <p:ph type="title"/>
+          </p:nvPr>
+        </p:nvSpPr>
+        <p:spPr>
+          <a:xfrm>
+            <a:off x="581191" y="0"/>
+            <a:ext cx="11029616" cy="1013800"/>
+          </a:xfrm>
+          <a:prstGeom prst="rect">
+            <a:avLst/>
+          </a:prstGeom>
+          <a:noFill/>
+          <a:ln>
+            <a:noFill/>
+          </a:ln>
+        </p:spPr>
+        <p:txBody>
+          <a:bodyPr spcFirstLastPara="1" wrap="square" lIns="91425" tIns="45700" rIns="91425" bIns="45700" anchor="b" anchorCtr="0">
+            <a:noAutofit/>
+          </a:bodyPr>
+          <a:lstStyle/>
+          <a:p>
+            <a:pPr lvl="0">
+              <a:buSzPts val="2800"/>
+            </a:pPr>
+            <a:r>
+              <a:rPr lang="en-US" dirty="0"/>
+              <a:t>LYRIC GENRE TRAINING &amp; PREDICTIONS</a:t>
+            </a:r>
+            <a:endParaRPr dirty="0"/>
+          </a:p>
+        </p:txBody>
+      </p:sp>
+      <p:sp>
+        <p:nvSpPr>
+          <p:cNvPr id="117" name="Google Shape;117;p14"/>
+          <p:cNvSpPr txBox="1">
+            <a:spLocks noGrp="1"/>
+          </p:cNvSpPr>
+          <p:nvPr>
+            <p:ph type="body" idx="1"/>
+          </p:nvPr>
+        </p:nvSpPr>
+        <p:spPr>
+          <a:xfrm>
+            <a:off x="7891689" y="1715956"/>
+            <a:ext cx="3719119" cy="4045683"/>
+          </a:xfrm>
+          <a:prstGeom prst="rect">
+            <a:avLst/>
+          </a:prstGeom>
+          <a:noFill/>
+          <a:ln>
+            <a:noFill/>
+          </a:ln>
+        </p:spPr>
+        <p:txBody>
+          <a:bodyPr spcFirstLastPara="1" wrap="square" lIns="91425" tIns="45700" rIns="91425" bIns="45700" anchor="ctr" anchorCtr="0">
+            <a:noAutofit/>
+          </a:bodyPr>
+          <a:lstStyle/>
+          <a:p>
+            <a:pPr marL="306000" lvl="0" indent="-306000">
+              <a:spcBef>
+                <a:spcPts val="0"/>
+              </a:spcBef>
+            </a:pPr>
+            <a:r>
+              <a:rPr lang="en-US" sz="1600" dirty="0">
+                <a:solidFill>
+                  <a:schemeClr val="bg1"/>
+                </a:solidFill>
+              </a:rPr>
+              <a:t>Pulled </a:t>
+            </a:r>
+            <a:r>
+              <a:rPr lang="en-US" sz="1600" dirty="0" err="1">
+                <a:solidFill>
+                  <a:schemeClr val="bg1"/>
+                </a:solidFill>
+              </a:rPr>
+              <a:t>spotify</a:t>
+            </a:r>
+            <a:r>
+              <a:rPr lang="en-US" sz="1600" dirty="0">
+                <a:solidFill>
+                  <a:schemeClr val="bg1"/>
+                </a:solidFill>
+              </a:rPr>
+              <a:t> audio analysis on songs with Genre to create Dataset</a:t>
+            </a:r>
+          </a:p>
+          <a:p>
+            <a:pPr marL="0" lvl="0" indent="0">
+              <a:spcBef>
+                <a:spcPts val="0"/>
+              </a:spcBef>
+              <a:buNone/>
+            </a:pPr>
+            <a:endParaRPr lang="en-US" sz="1600" dirty="0">
+              <a:solidFill>
+                <a:schemeClr val="bg1"/>
+              </a:solidFill>
+            </a:endParaRPr>
+          </a:p>
+          <a:p>
+            <a:pPr marL="306000" lvl="0" indent="-306000">
+              <a:spcBef>
+                <a:spcPts val="0"/>
+              </a:spcBef>
+            </a:pPr>
+            <a:r>
+              <a:rPr lang="en-US" sz="1600" dirty="0">
+                <a:solidFill>
+                  <a:schemeClr val="bg1"/>
+                </a:solidFill>
+              </a:rPr>
+              <a:t>Ran KNN Machine learning to begin classifications of the Data</a:t>
+            </a:r>
+          </a:p>
+          <a:p>
+            <a:pPr marL="0" lvl="0" indent="0">
+              <a:spcBef>
+                <a:spcPts val="0"/>
+              </a:spcBef>
+              <a:buNone/>
+            </a:pPr>
+            <a:endParaRPr lang="en-US" sz="1600" dirty="0">
+              <a:solidFill>
+                <a:schemeClr val="bg1"/>
+              </a:solidFill>
+            </a:endParaRPr>
+          </a:p>
+          <a:p>
+            <a:pPr marL="306000" lvl="0" indent="-306000">
+              <a:spcBef>
+                <a:spcPts val="0"/>
+              </a:spcBef>
+            </a:pPr>
+            <a:r>
+              <a:rPr lang="en-US" sz="1600" dirty="0">
+                <a:solidFill>
+                  <a:schemeClr val="bg1"/>
+                </a:solidFill>
+              </a:rPr>
+              <a:t>Using </a:t>
+            </a:r>
+            <a:r>
+              <a:rPr lang="en-US" sz="1600" dirty="0" err="1">
+                <a:solidFill>
+                  <a:schemeClr val="bg1"/>
+                </a:solidFill>
+              </a:rPr>
+              <a:t>spotify</a:t>
+            </a:r>
+            <a:r>
+              <a:rPr lang="en-US" sz="1600" dirty="0">
+                <a:solidFill>
+                  <a:schemeClr val="bg1"/>
+                </a:solidFill>
+              </a:rPr>
+              <a:t> song id we pull audio data from </a:t>
+            </a:r>
+            <a:r>
+              <a:rPr lang="en-US" sz="1600" dirty="0" err="1">
+                <a:solidFill>
+                  <a:schemeClr val="bg1"/>
+                </a:solidFill>
+              </a:rPr>
+              <a:t>spotify</a:t>
+            </a:r>
+            <a:r>
+              <a:rPr lang="en-US" sz="1600" dirty="0">
+                <a:solidFill>
+                  <a:schemeClr val="bg1"/>
+                </a:solidFill>
+              </a:rPr>
+              <a:t> </a:t>
+            </a:r>
+            <a:r>
+              <a:rPr lang="en-US" sz="1600" dirty="0" err="1">
+                <a:solidFill>
+                  <a:schemeClr val="bg1"/>
+                </a:solidFill>
+              </a:rPr>
+              <a:t>api</a:t>
+            </a:r>
+            <a:r>
+              <a:rPr lang="en-US" sz="1600" dirty="0">
+                <a:solidFill>
+                  <a:schemeClr val="bg1"/>
+                </a:solidFill>
+              </a:rPr>
+              <a:t> and have </a:t>
+            </a:r>
+            <a:r>
+              <a:rPr lang="en-US" sz="1600" dirty="0" err="1">
+                <a:solidFill>
+                  <a:schemeClr val="bg1"/>
+                </a:solidFill>
+              </a:rPr>
+              <a:t>knn</a:t>
+            </a:r>
+            <a:r>
+              <a:rPr lang="en-US" sz="1600" dirty="0">
+                <a:solidFill>
+                  <a:schemeClr val="bg1"/>
+                </a:solidFill>
+              </a:rPr>
+              <a:t> predict the Genre</a:t>
+            </a:r>
+          </a:p>
+          <a:p>
+            <a:pPr marL="0" lvl="0" indent="0">
+              <a:spcBef>
+                <a:spcPts val="0"/>
+              </a:spcBef>
+              <a:buNone/>
+            </a:pPr>
+            <a:endParaRPr lang="en-US" sz="1600" dirty="0">
+              <a:solidFill>
+                <a:schemeClr val="bg1"/>
+              </a:solidFill>
+            </a:endParaRPr>
+          </a:p>
+          <a:p>
+            <a:pPr marL="306000" lvl="0" indent="-306000">
+              <a:spcBef>
+                <a:spcPts val="0"/>
+              </a:spcBef>
+            </a:pPr>
+            <a:r>
+              <a:rPr lang="en-US" sz="1600" dirty="0">
+                <a:solidFill>
+                  <a:schemeClr val="bg1"/>
+                </a:solidFill>
+              </a:rPr>
+              <a:t>KNN &gt; most accurate model</a:t>
+            </a:r>
+          </a:p>
+          <a:p>
+            <a:pPr marL="763200" lvl="1" indent="-306000">
+              <a:spcBef>
+                <a:spcPts val="0"/>
+              </a:spcBef>
+            </a:pPr>
+            <a:r>
+              <a:rPr lang="en-US" sz="1400" dirty="0">
+                <a:solidFill>
+                  <a:schemeClr val="bg1"/>
+                </a:solidFill>
+              </a:rPr>
+              <a:t>30%-32% Accuracy</a:t>
+            </a:r>
+          </a:p>
+          <a:p>
+            <a:pPr marL="0" lvl="0" indent="0">
+              <a:spcBef>
+                <a:spcPts val="0"/>
+              </a:spcBef>
+              <a:buNone/>
+            </a:pPr>
+            <a:endParaRPr lang="en-US" sz="1600" dirty="0">
+              <a:solidFill>
+                <a:schemeClr val="bg1"/>
+              </a:solidFill>
+            </a:endParaRPr>
+          </a:p>
+          <a:p>
+            <a:pPr marL="306000" lvl="0" indent="-306000">
+              <a:spcBef>
+                <a:spcPts val="0"/>
+              </a:spcBef>
+            </a:pPr>
+            <a:r>
+              <a:rPr lang="en-US" sz="1600" dirty="0">
+                <a:solidFill>
+                  <a:schemeClr val="bg1"/>
+                </a:solidFill>
+              </a:rPr>
+              <a:t>LAST.FM user tags, using their API, that have been written by users as a comparison to the predicted genre</a:t>
+            </a:r>
+          </a:p>
+        </p:txBody>
+      </p:sp>
+      <p:pic>
+        <p:nvPicPr>
+          <p:cNvPr id="2" name="Picture 1">
+            <a:extLst>
+              <a:ext uri="{FF2B5EF4-FFF2-40B4-BE49-F238E27FC236}">
+                <a16:creationId xmlns:a16="http://schemas.microsoft.com/office/drawing/2014/main" id="{874304BF-E5F1-4223-8D84-3047A7B522EA}"/>
+              </a:ext>
+            </a:extLst>
+          </p:cNvPr>
+          <p:cNvPicPr>
+            <a:picLocks noChangeAspect="1"/>
+          </p:cNvPicPr>
+          <p:nvPr/>
+        </p:nvPicPr>
+        <p:blipFill>
+          <a:blip r:embed="rId4"/>
+          <a:stretch>
+            <a:fillRect/>
+          </a:stretch>
+        </p:blipFill>
+        <p:spPr>
+          <a:xfrm>
+            <a:off x="581192" y="2115467"/>
+            <a:ext cx="5782908" cy="3246661"/>
+          </a:xfrm>
+          <a:prstGeom prst="rect">
+            <a:avLst/>
+          </a:prstGeom>
+        </p:spPr>
+      </p:pic>
+    </p:spTree>
+    <p:extLst>
+      <p:ext uri="{BB962C8B-B14F-4D97-AF65-F5344CB8AC3E}">
+        <p14:creationId xmlns:p14="http://schemas.microsoft.com/office/powerpoint/2010/main" val="2720560295"/>
+      </p:ext>
+    </p:extLst>
+  </p:cSld>
+  <p:clrMapOvr>
+    <a:masterClrMapping/>
+  </p:clrMapOvr>
+</p:sld>
+</file>
+
+<file path=ppt/slides/slide6.xml><?xml version="1.0" encoding="utf-8"?>
+<p:sld xmlns:a="http://schemas.openxmlformats.org/drawingml/2006/main" xmlns:r="http://schemas.openxmlformats.org/officeDocument/2006/relationships" xmlns:p="http://schemas.openxmlformats.org/presentationml/2006/main">
+  <p:cSld>
+    <p:bg>
+      <p:bgPr>
+        <a:solidFill>
+          <a:schemeClr val="lt1"/>
+        </a:solidFill>
+        <a:effectLst/>
+      </p:bgPr>
+    </p:bg>
+    <p:spTree>
+      <p:nvGrpSpPr>
+        <p:cNvPr id="1" name="Shape 113"/>
+        <p:cNvGrpSpPr/>
+        <p:nvPr/>
+      </p:nvGrpSpPr>
+      <p:grpSpPr>
+        <a:xfrm>
+          <a:off x="0" y="0"/>
+          <a:ext cx="0" cy="0"/>
+          <a:chOff x="0" y="0"/>
+          <a:chExt cx="0" cy="0"/>
+        </a:xfrm>
+      </p:grpSpPr>
+      <p:pic>
+        <p:nvPicPr>
+          <p:cNvPr id="7" name="Google Shape;164;p18" descr="Close-up of microphone head">
+            <a:extLst>
+              <a:ext uri="{FF2B5EF4-FFF2-40B4-BE49-F238E27FC236}">
+                <a16:creationId xmlns:a16="http://schemas.microsoft.com/office/drawing/2014/main" id="{ECBCE35A-9D60-4828-97D6-722AD8020D58}"/>
+              </a:ext>
+            </a:extLst>
+          </p:cNvPr>
+          <p:cNvPicPr preferRelativeResize="0"/>
+          <p:nvPr/>
+        </p:nvPicPr>
+        <p:blipFill>
+          <a:blip r:embed="rId3"/>
+          <a:srcRect/>
+          <a:stretch/>
+        </p:blipFill>
+        <p:spPr>
+          <a:xfrm>
+            <a:off x="0" y="0"/>
+            <a:ext cx="12192000" cy="6858000"/>
+          </a:xfrm>
+          <a:prstGeom prst="rect">
+            <a:avLst/>
+          </a:prstGeom>
+          <a:noFill/>
+          <a:ln>
+            <a:noFill/>
+          </a:ln>
+        </p:spPr>
+      </p:pic>
+      <p:sp>
+        <p:nvSpPr>
+          <p:cNvPr id="114" name="Google Shape;114;p14"/>
+          <p:cNvSpPr txBox="1">
+            <a:spLocks noGrp="1"/>
+          </p:cNvSpPr>
+          <p:nvPr>
+            <p:ph type="title"/>
+          </p:nvPr>
+        </p:nvSpPr>
+        <p:spPr>
+          <a:xfrm>
+            <a:off x="581192" y="0"/>
+            <a:ext cx="11029616" cy="1013800"/>
+          </a:xfrm>
+          <a:prstGeom prst="rect">
+            <a:avLst/>
+          </a:prstGeom>
+          <a:noFill/>
+          <a:ln>
+            <a:noFill/>
+          </a:ln>
+        </p:spPr>
+        <p:txBody>
+          <a:bodyPr spcFirstLastPara="1" wrap="square" lIns="91425" tIns="45700" rIns="91425" bIns="45700" anchor="b" anchorCtr="0">
+            <a:noAutofit/>
+          </a:bodyPr>
+          <a:lstStyle/>
+          <a:p>
+            <a:pPr lvl="0">
+              <a:buSzPts val="2800"/>
+            </a:pPr>
+            <a:r>
+              <a:rPr lang="en-US" dirty="0"/>
+              <a:t>ALBUM COVER IMAGE ANALYSIS</a:t>
+            </a:r>
+            <a:endParaRPr dirty="0"/>
+          </a:p>
+        </p:txBody>
+      </p:sp>
+      <p:sp>
+        <p:nvSpPr>
+          <p:cNvPr id="117" name="Google Shape;117;p14"/>
+          <p:cNvSpPr txBox="1">
+            <a:spLocks noGrp="1"/>
+          </p:cNvSpPr>
+          <p:nvPr>
+            <p:ph type="body" idx="1"/>
+          </p:nvPr>
+        </p:nvSpPr>
+        <p:spPr>
+          <a:xfrm>
+            <a:off x="7891689" y="1715956"/>
+            <a:ext cx="3719119" cy="4045683"/>
+          </a:xfrm>
+          <a:prstGeom prst="rect">
+            <a:avLst/>
+          </a:prstGeom>
+          <a:noFill/>
+          <a:ln>
+            <a:noFill/>
+          </a:ln>
+        </p:spPr>
+        <p:txBody>
+          <a:bodyPr spcFirstLastPara="1" wrap="square" lIns="91425" tIns="45700" rIns="91425" bIns="45700" anchor="ctr" anchorCtr="0">
+            <a:noAutofit/>
+          </a:bodyPr>
+          <a:lstStyle/>
+          <a:p>
+            <a:pPr marL="306000" lvl="0" indent="-306000">
+              <a:spcBef>
+                <a:spcPts val="0"/>
+              </a:spcBef>
+            </a:pPr>
+            <a:r>
+              <a:rPr lang="en-US" sz="1400" dirty="0">
+                <a:solidFill>
+                  <a:schemeClr val="bg1"/>
+                </a:solidFill>
+              </a:rPr>
+              <a:t>Uses </a:t>
+            </a:r>
+            <a:r>
+              <a:rPr lang="en-US" sz="1400" dirty="0" err="1">
+                <a:solidFill>
+                  <a:schemeClr val="bg1"/>
+                </a:solidFill>
+              </a:rPr>
+              <a:t>Keras</a:t>
+            </a:r>
+            <a:r>
+              <a:rPr lang="en-US" sz="1400" dirty="0">
+                <a:solidFill>
+                  <a:schemeClr val="bg1"/>
+                </a:solidFill>
+              </a:rPr>
+              <a:t> </a:t>
+            </a:r>
+            <a:r>
+              <a:rPr lang="en-US" sz="1400" dirty="0" err="1">
+                <a:solidFill>
+                  <a:schemeClr val="bg1"/>
+                </a:solidFill>
+              </a:rPr>
+              <a:t>Xception</a:t>
+            </a:r>
+            <a:r>
+              <a:rPr lang="en-US" sz="1400" dirty="0">
+                <a:solidFill>
+                  <a:schemeClr val="bg1"/>
+                </a:solidFill>
+              </a:rPr>
+              <a:t> ImageNet to classify image and get probability level</a:t>
+            </a:r>
+          </a:p>
+          <a:p>
+            <a:pPr marL="0" lvl="0" indent="0">
+              <a:spcBef>
+                <a:spcPts val="0"/>
+              </a:spcBef>
+              <a:buNone/>
+            </a:pPr>
+            <a:endParaRPr lang="en-US" sz="1400" dirty="0">
+              <a:solidFill>
+                <a:schemeClr val="bg1"/>
+              </a:solidFill>
+            </a:endParaRPr>
+          </a:p>
+          <a:p>
+            <a:pPr marL="306000" lvl="0" indent="-306000">
+              <a:spcBef>
+                <a:spcPts val="0"/>
+              </a:spcBef>
+            </a:pPr>
+            <a:r>
+              <a:rPr lang="en-US" sz="1400" dirty="0">
+                <a:solidFill>
+                  <a:schemeClr val="bg1"/>
+                </a:solidFill>
+              </a:rPr>
+              <a:t>Image passed is from the song's cover art pulled from Genius API</a:t>
+            </a:r>
+          </a:p>
+        </p:txBody>
+      </p:sp>
+      <p:pic>
+        <p:nvPicPr>
+          <p:cNvPr id="6" name="Picture 5">
+            <a:extLst>
+              <a:ext uri="{FF2B5EF4-FFF2-40B4-BE49-F238E27FC236}">
+                <a16:creationId xmlns:a16="http://schemas.microsoft.com/office/drawing/2014/main" id="{D9363CAB-B735-4826-9A51-95EC91B6ED2B}"/>
+              </a:ext>
+            </a:extLst>
+          </p:cNvPr>
+          <p:cNvPicPr>
+            <a:picLocks noChangeAspect="1"/>
+          </p:cNvPicPr>
+          <p:nvPr/>
+        </p:nvPicPr>
+        <p:blipFill rotWithShape="1">
+          <a:blip r:embed="rId4"/>
+          <a:srcRect l="8909" r="6256"/>
+          <a:stretch/>
+        </p:blipFill>
+        <p:spPr>
+          <a:xfrm>
+            <a:off x="581192" y="1715956"/>
+            <a:ext cx="4344458" cy="4353356"/>
+          </a:xfrm>
+          <a:prstGeom prst="rect">
+            <a:avLst/>
+          </a:prstGeom>
+        </p:spPr>
+      </p:pic>
+    </p:spTree>
+    <p:extLst>
+      <p:ext uri="{BB962C8B-B14F-4D97-AF65-F5344CB8AC3E}">
+        <p14:creationId xmlns:p14="http://schemas.microsoft.com/office/powerpoint/2010/main" val="543864197"/>
+      </p:ext>
+    </p:extLst>
+  </p:cSld>
+  <p:clrMapOvr>
+    <a:masterClrMapping/>
+  </p:clrMapOvr>
+</p:sld>
+</file>
+
+<file path=ppt/slides/slide7.xml><?xml version="1.0" encoding="utf-8"?>
 <p:sld xmlns:a="http://schemas.openxmlformats.org/drawingml/2006/main" xmlns:r="http://schemas.openxmlformats.org/officeDocument/2006/relationships" xmlns:p="http://schemas.openxmlformats.org/presentationml/2006/main">
   <p:cSld>
     <p:bg>
@@ -13975,21 +15183,19 @@
       </p:sp>
       <p:pic>
         <p:nvPicPr>
-          <p:cNvPr id="132" name="Google Shape;132;p16" descr="Digital Numbers"/>
+          <p:cNvPr id="132" name="Google Shape;132;p16" descr="Group of people having fun at music concert"/>
           <p:cNvPicPr preferRelativeResize="0"/>
           <p:nvPr/>
         </p:nvPicPr>
-        <p:blipFill rotWithShape="1">
-          <a:blip r:embed="rId3">
-            <a:alphaModFix/>
-          </a:blip>
-          <a:srcRect l="2189" r="9641" b="1"/>
+        <p:blipFill>
+          <a:blip r:embed="rId3"/>
+          <a:srcRect/>
           <a:stretch/>
         </p:blipFill>
         <p:spPr>
           <a:xfrm>
-            <a:off x="446534" y="723899"/>
-            <a:ext cx="7498616" cy="5676901"/>
+            <a:off x="0" y="0"/>
+            <a:ext cx="12192000" cy="6858000"/>
           </a:xfrm>
           <a:prstGeom prst="rect">
             <a:avLst/>
@@ -14008,8 +15214,8 @@
         </p:nvSpPr>
         <p:spPr>
           <a:xfrm>
-            <a:off x="8042147" y="723899"/>
-            <a:ext cx="3703320" cy="5666666"/>
+            <a:off x="8042147" y="2239312"/>
+            <a:ext cx="3703320" cy="1746762"/>
           </a:xfrm>
           <a:prstGeom prst="rect">
             <a:avLst/>
@@ -14084,14 +15290,14 @@
               <a:buNone/>
             </a:pPr>
             <a:r>
-              <a:rPr lang="en-US">
+              <a:rPr lang="en-US" dirty="0">
                 <a:solidFill>
                   <a:srgbClr val="FFFFFF"/>
                 </a:solidFill>
               </a:rPr>
               <a:t>THANK YOU</a:t>
             </a:r>
-            <a:endParaRPr/>
+            <a:endParaRPr dirty="0"/>
           </a:p>
         </p:txBody>
       </p:sp>
@@ -14135,7 +15341,7 @@
               <a:buNone/>
             </a:pPr>
             <a:r>
-              <a:rPr lang="en-US" u="sng">
+              <a:rPr lang="en-US" u="sng" dirty="0">
                 <a:solidFill>
                   <a:schemeClr val="hlink"/>
                 </a:solidFill>
@@ -14143,7 +15349,7 @@
               </a:rPr>
               <a:t>DEMO_APP</a:t>
             </a:r>
-            <a:endParaRPr>
+            <a:endParaRPr dirty="0">
               <a:solidFill>
                 <a:schemeClr val="lt2"/>
               </a:solidFill>
@@ -14160,7 +15366,7 @@
               <a:buSzPts val="1472"/>
               <a:buNone/>
             </a:pPr>
-            <a:endParaRPr>
+            <a:endParaRPr dirty="0">
               <a:solidFill>
                 <a:schemeClr val="lt2"/>
               </a:solidFill>
@@ -14168,1608 +15374,6 @@
           </a:p>
         </p:txBody>
       </p:sp>
-      <p:grpSp>
-        <p:nvGrpSpPr>
-          <p:cNvPr id="136" name="Google Shape;136;p16"/>
-          <p:cNvGrpSpPr/>
-          <p:nvPr/>
-        </p:nvGrpSpPr>
-        <p:grpSpPr>
-          <a:xfrm>
-            <a:off x="446534" y="453643"/>
-            <a:ext cx="11298933" cy="98554"/>
-            <a:chOff x="446534" y="453643"/>
-            <a:chExt cx="11298933" cy="98554"/>
-          </a:xfrm>
-        </p:grpSpPr>
-        <p:sp>
-          <p:nvSpPr>
-            <p:cNvPr id="137" name="Google Shape;137;p16"/>
-            <p:cNvSpPr/>
-            <p:nvPr/>
-          </p:nvSpPr>
-          <p:spPr>
-            <a:xfrm>
-              <a:off x="446534" y="457200"/>
-              <a:ext cx="3703320" cy="94997"/>
-            </a:xfrm>
-            <a:prstGeom prst="rect">
-              <a:avLst/>
-            </a:prstGeom>
-            <a:solidFill>
-              <a:schemeClr val="accent1"/>
-            </a:solidFill>
-            <a:ln>
-              <a:noFill/>
-            </a:ln>
-          </p:spPr>
-          <p:txBody>
-            <a:bodyPr spcFirstLastPara="1" wrap="square" lIns="91425" tIns="91425" rIns="91425" bIns="91425" anchor="ctr" anchorCtr="0">
-              <a:noAutofit/>
-            </a:bodyPr>
-            <a:lstStyle/>
-            <a:p>
-              <a:pPr marL="0" lvl="0" indent="0" algn="l" rtl="0">
-                <a:spcBef>
-                  <a:spcPts val="0"/>
-                </a:spcBef>
-                <a:spcAft>
-                  <a:spcPts val="0"/>
-                </a:spcAft>
-                <a:buNone/>
-              </a:pPr>
-              <a:endParaRPr/>
-            </a:p>
-          </p:txBody>
-        </p:sp>
-        <p:sp>
-          <p:nvSpPr>
-            <p:cNvPr id="138" name="Google Shape;138;p16"/>
-            <p:cNvSpPr/>
-            <p:nvPr/>
-          </p:nvSpPr>
-          <p:spPr>
-            <a:xfrm>
-              <a:off x="8042147" y="453643"/>
-              <a:ext cx="3703320" cy="98554"/>
-            </a:xfrm>
-            <a:prstGeom prst="rect">
-              <a:avLst/>
-            </a:prstGeom>
-            <a:solidFill>
-              <a:schemeClr val="accent4"/>
-            </a:solidFill>
-            <a:ln>
-              <a:noFill/>
-            </a:ln>
-          </p:spPr>
-          <p:txBody>
-            <a:bodyPr spcFirstLastPara="1" wrap="square" lIns="91425" tIns="91425" rIns="91425" bIns="91425" anchor="ctr" anchorCtr="0">
-              <a:noAutofit/>
-            </a:bodyPr>
-            <a:lstStyle/>
-            <a:p>
-              <a:pPr marL="0" lvl="0" indent="0" algn="l" rtl="0">
-                <a:spcBef>
-                  <a:spcPts val="0"/>
-                </a:spcBef>
-                <a:spcAft>
-                  <a:spcPts val="0"/>
-                </a:spcAft>
-                <a:buNone/>
-              </a:pPr>
-              <a:endParaRPr/>
-            </a:p>
-          </p:txBody>
-        </p:sp>
-        <p:sp>
-          <p:nvSpPr>
-            <p:cNvPr id="139" name="Google Shape;139;p16"/>
-            <p:cNvSpPr/>
-            <p:nvPr/>
-          </p:nvSpPr>
-          <p:spPr>
-            <a:xfrm>
-              <a:off x="4241830" y="457200"/>
-              <a:ext cx="3703320" cy="91440"/>
-            </a:xfrm>
-            <a:prstGeom prst="rect">
-              <a:avLst/>
-            </a:prstGeom>
-            <a:solidFill>
-              <a:schemeClr val="accent2"/>
-            </a:solidFill>
-            <a:ln>
-              <a:noFill/>
-            </a:ln>
-          </p:spPr>
-          <p:txBody>
-            <a:bodyPr spcFirstLastPara="1" wrap="square" lIns="91425" tIns="91425" rIns="91425" bIns="91425" anchor="ctr" anchorCtr="0">
-              <a:noAutofit/>
-            </a:bodyPr>
-            <a:lstStyle/>
-            <a:p>
-              <a:pPr marL="0" lvl="0" indent="0" algn="l" rtl="0">
-                <a:spcBef>
-                  <a:spcPts val="0"/>
-                </a:spcBef>
-                <a:spcAft>
-                  <a:spcPts val="0"/>
-                </a:spcAft>
-                <a:buNone/>
-              </a:pPr>
-              <a:endParaRPr/>
-            </a:p>
-          </p:txBody>
-        </p:sp>
-      </p:grpSp>
-    </p:spTree>
-  </p:cSld>
-  <p:clrMapOvr>
-    <a:masterClrMapping/>
-  </p:clrMapOvr>
-</p:sld>
-</file>
-
-<file path=ppt/slides/slide5.xml><?xml version="1.0" encoding="utf-8"?>
-<p:sld xmlns:a="http://schemas.openxmlformats.org/drawingml/2006/main" xmlns:r="http://schemas.openxmlformats.org/officeDocument/2006/relationships" xmlns:p="http://schemas.openxmlformats.org/presentationml/2006/main">
-  <p:cSld>
-    <p:bg>
-      <p:bgPr>
-        <a:solidFill>
-          <a:schemeClr val="lt1"/>
-        </a:solidFill>
-        <a:effectLst/>
-      </p:bgPr>
-    </p:bg>
-    <p:spTree>
-      <p:nvGrpSpPr>
-        <p:cNvPr id="1" name="Shape 144"/>
-        <p:cNvGrpSpPr/>
-        <p:nvPr/>
-      </p:nvGrpSpPr>
-      <p:grpSpPr>
-        <a:xfrm>
-          <a:off x="0" y="0"/>
-          <a:ext cx="0" cy="0"/>
-          <a:chOff x="0" y="0"/>
-          <a:chExt cx="0" cy="0"/>
-        </a:xfrm>
-      </p:grpSpPr>
-      <p:sp>
-        <p:nvSpPr>
-          <p:cNvPr id="145" name="Google Shape;145;p17"/>
-          <p:cNvSpPr/>
-          <p:nvPr/>
-        </p:nvSpPr>
-        <p:spPr>
-          <a:xfrm>
-            <a:off x="0" y="536712"/>
-            <a:ext cx="12192000" cy="6321287"/>
-          </a:xfrm>
-          <a:prstGeom prst="rect">
-            <a:avLst/>
-          </a:prstGeom>
-          <a:solidFill>
-            <a:schemeClr val="lt1"/>
-          </a:solidFill>
-          <a:ln>
-            <a:noFill/>
-          </a:ln>
-        </p:spPr>
-        <p:txBody>
-          <a:bodyPr spcFirstLastPara="1" wrap="square" lIns="91425" tIns="45700" rIns="91425" bIns="45700" anchor="ctr" anchorCtr="0">
-            <a:noAutofit/>
-          </a:bodyPr>
-          <a:lstStyle/>
-          <a:p>
-            <a:pPr marL="0" marR="0" lvl="0" indent="0" algn="ctr" rtl="0">
-              <a:spcBef>
-                <a:spcPts val="0"/>
-              </a:spcBef>
-              <a:spcAft>
-                <a:spcPts val="0"/>
-              </a:spcAft>
-              <a:buNone/>
-            </a:pPr>
-            <a:endParaRPr sz="1800" b="0" i="0" u="none" strike="noStrike" cap="none">
-              <a:solidFill>
-                <a:schemeClr val="lt1"/>
-              </a:solidFill>
-              <a:latin typeface="Gill Sans"/>
-              <a:ea typeface="Gill Sans"/>
-              <a:cs typeface="Gill Sans"/>
-              <a:sym typeface="Gill Sans"/>
-            </a:endParaRPr>
-          </a:p>
-        </p:txBody>
-      </p:sp>
-      <p:sp>
-        <p:nvSpPr>
-          <p:cNvPr id="146" name="Google Shape;146;p17"/>
-          <p:cNvSpPr/>
-          <p:nvPr/>
-        </p:nvSpPr>
-        <p:spPr>
-          <a:xfrm>
-            <a:off x="447817" y="5141974"/>
-            <a:ext cx="11290860" cy="1258827"/>
-          </a:xfrm>
-          <a:prstGeom prst="rect">
-            <a:avLst/>
-          </a:prstGeom>
-          <a:solidFill>
-            <a:schemeClr val="accent1"/>
-          </a:solidFill>
-          <a:ln>
-            <a:noFill/>
-          </a:ln>
-        </p:spPr>
-        <p:txBody>
-          <a:bodyPr spcFirstLastPara="1" wrap="square" lIns="91425" tIns="91425" rIns="91425" bIns="91425" anchor="ctr" anchorCtr="0">
-            <a:noAutofit/>
-          </a:bodyPr>
-          <a:lstStyle/>
-          <a:p>
-            <a:pPr marL="0" lvl="0" indent="0" algn="l" rtl="0">
-              <a:spcBef>
-                <a:spcPts val="0"/>
-              </a:spcBef>
-              <a:spcAft>
-                <a:spcPts val="0"/>
-              </a:spcAft>
-              <a:buNone/>
-            </a:pPr>
-            <a:endParaRPr/>
-          </a:p>
-        </p:txBody>
-      </p:sp>
-      <p:sp>
-        <p:nvSpPr>
-          <p:cNvPr id="147" name="Google Shape;147;p17"/>
-          <p:cNvSpPr txBox="1">
-            <a:spLocks noGrp="1"/>
-          </p:cNvSpPr>
-          <p:nvPr>
-            <p:ph type="title"/>
-          </p:nvPr>
-        </p:nvSpPr>
-        <p:spPr>
-          <a:xfrm>
-            <a:off x="581192" y="5264487"/>
-            <a:ext cx="11029616" cy="718870"/>
-          </a:xfrm>
-          <a:prstGeom prst="rect">
-            <a:avLst/>
-          </a:prstGeom>
-          <a:noFill/>
-          <a:ln>
-            <a:noFill/>
-          </a:ln>
-        </p:spPr>
-        <p:txBody>
-          <a:bodyPr spcFirstLastPara="1" wrap="square" lIns="91425" tIns="45700" rIns="91425" bIns="45700" anchor="b" anchorCtr="0">
-            <a:noAutofit/>
-          </a:bodyPr>
-          <a:lstStyle/>
-          <a:p>
-            <a:pPr marL="0" lvl="0" indent="0" algn="l" rtl="0">
-              <a:spcBef>
-                <a:spcPts val="0"/>
-              </a:spcBef>
-              <a:spcAft>
-                <a:spcPts val="0"/>
-              </a:spcAft>
-              <a:buClr>
-                <a:schemeClr val="lt1"/>
-              </a:buClr>
-              <a:buSzPts val="2800"/>
-              <a:buFont typeface="Gill Sans"/>
-              <a:buNone/>
-            </a:pPr>
-            <a:r>
-              <a:rPr lang="en-US"/>
-              <a:t>OTHER SLIDE FORMAT OPTION</a:t>
-            </a:r>
-            <a:endParaRPr>
-              <a:solidFill>
-                <a:srgbClr val="FFFEFF"/>
-              </a:solidFill>
-            </a:endParaRPr>
-          </a:p>
-        </p:txBody>
-      </p:sp>
-      <p:grpSp>
-        <p:nvGrpSpPr>
-          <p:cNvPr id="148" name="Google Shape;148;p17"/>
-          <p:cNvGrpSpPr/>
-          <p:nvPr/>
-        </p:nvGrpSpPr>
-        <p:grpSpPr>
-          <a:xfrm>
-            <a:off x="697756" y="1353380"/>
-            <a:ext cx="10796488" cy="2971334"/>
-            <a:chOff x="54818" y="494935"/>
-            <a:chExt cx="10796488" cy="2971334"/>
-          </a:xfrm>
-        </p:grpSpPr>
-        <p:sp>
-          <p:nvSpPr>
-            <p:cNvPr id="149" name="Google Shape;149;p17"/>
-            <p:cNvSpPr/>
-            <p:nvPr/>
-          </p:nvSpPr>
-          <p:spPr>
-            <a:xfrm>
-              <a:off x="523237" y="494935"/>
-              <a:ext cx="2285995" cy="2285995"/>
-            </a:xfrm>
-            <a:prstGeom prst="rect">
-              <a:avLst/>
-            </a:prstGeom>
-            <a:blipFill rotWithShape="1">
-              <a:blip r:embed="rId3">
-                <a:alphaModFix/>
-              </a:blip>
-              <a:stretch>
-                <a:fillRect/>
-              </a:stretch>
-            </a:blipFill>
-            <a:ln>
-              <a:noFill/>
-            </a:ln>
-          </p:spPr>
-          <p:txBody>
-            <a:bodyPr spcFirstLastPara="1" wrap="square" lIns="91425" tIns="91425" rIns="91425" bIns="91425" anchor="ctr" anchorCtr="0">
-              <a:noAutofit/>
-            </a:bodyPr>
-            <a:lstStyle/>
-            <a:p>
-              <a:pPr marL="0" lvl="0" indent="0" algn="l" rtl="0">
-                <a:spcBef>
-                  <a:spcPts val="0"/>
-                </a:spcBef>
-                <a:spcAft>
-                  <a:spcPts val="0"/>
-                </a:spcAft>
-                <a:buNone/>
-              </a:pPr>
-              <a:endParaRPr/>
-            </a:p>
-          </p:txBody>
-        </p:sp>
-        <p:sp>
-          <p:nvSpPr>
-            <p:cNvPr id="150" name="Google Shape;150;p17"/>
-            <p:cNvSpPr/>
-            <p:nvPr/>
-          </p:nvSpPr>
-          <p:spPr>
-            <a:xfrm>
-              <a:off x="54818" y="2746269"/>
-              <a:ext cx="3222832" cy="720000"/>
-            </a:xfrm>
-            <a:prstGeom prst="rect">
-              <a:avLst/>
-            </a:prstGeom>
-            <a:noFill/>
-            <a:ln>
-              <a:noFill/>
-            </a:ln>
-          </p:spPr>
-          <p:txBody>
-            <a:bodyPr spcFirstLastPara="1" wrap="square" lIns="91425" tIns="91425" rIns="91425" bIns="91425" anchor="ctr" anchorCtr="0">
-              <a:noAutofit/>
-            </a:bodyPr>
-            <a:lstStyle/>
-            <a:p>
-              <a:pPr marL="0" lvl="0" indent="0" algn="l" rtl="0">
-                <a:spcBef>
-                  <a:spcPts val="0"/>
-                </a:spcBef>
-                <a:spcAft>
-                  <a:spcPts val="0"/>
-                </a:spcAft>
-                <a:buNone/>
-              </a:pPr>
-              <a:endParaRPr/>
-            </a:p>
-          </p:txBody>
-        </p:sp>
-        <p:sp>
-          <p:nvSpPr>
-            <p:cNvPr id="151" name="Google Shape;151;p17"/>
-            <p:cNvSpPr txBox="1"/>
-            <p:nvPr/>
-          </p:nvSpPr>
-          <p:spPr>
-            <a:xfrm>
-              <a:off x="54818" y="2746269"/>
-              <a:ext cx="3222832" cy="720000"/>
-            </a:xfrm>
-            <a:prstGeom prst="rect">
-              <a:avLst/>
-            </a:prstGeom>
-            <a:noFill/>
-            <a:ln>
-              <a:noFill/>
-            </a:ln>
-          </p:spPr>
-          <p:txBody>
-            <a:bodyPr spcFirstLastPara="1" wrap="square" lIns="0" tIns="0" rIns="0" bIns="0" anchor="t" anchorCtr="0">
-              <a:noAutofit/>
-            </a:bodyPr>
-            <a:lstStyle/>
-            <a:p>
-              <a:pPr marL="0" marR="0" lvl="0" indent="0" algn="ctr" rtl="0">
-                <a:lnSpc>
-                  <a:spcPct val="90000"/>
-                </a:lnSpc>
-                <a:spcBef>
-                  <a:spcPts val="0"/>
-                </a:spcBef>
-                <a:spcAft>
-                  <a:spcPts val="0"/>
-                </a:spcAft>
-                <a:buClr>
-                  <a:schemeClr val="dk1"/>
-                </a:buClr>
-                <a:buSzPts val="3600"/>
-                <a:buFont typeface="Gill Sans"/>
-                <a:buNone/>
-              </a:pPr>
-              <a:r>
-                <a:rPr lang="en-US" sz="3600" b="0" i="0" u="none" strike="noStrike" cap="none">
-                  <a:solidFill>
-                    <a:schemeClr val="dk1"/>
-                  </a:solidFill>
-                  <a:latin typeface="Gill Sans"/>
-                  <a:ea typeface="Gill Sans"/>
-                  <a:cs typeface="Gill Sans"/>
-                  <a:sym typeface="Gill Sans"/>
-                </a:rPr>
-                <a:t>Network</a:t>
-              </a:r>
-              <a:endParaRPr sz="3600" b="0" i="0" u="none" strike="noStrike" cap="none">
-                <a:solidFill>
-                  <a:schemeClr val="dk1"/>
-                </a:solidFill>
-                <a:latin typeface="Gill Sans"/>
-                <a:ea typeface="Gill Sans"/>
-                <a:cs typeface="Gill Sans"/>
-                <a:sym typeface="Gill Sans"/>
-              </a:endParaRPr>
-            </a:p>
-          </p:txBody>
-        </p:sp>
-        <p:sp>
-          <p:nvSpPr>
-            <p:cNvPr id="152" name="Google Shape;152;p17"/>
-            <p:cNvSpPr/>
-            <p:nvPr/>
-          </p:nvSpPr>
-          <p:spPr>
-            <a:xfrm>
-              <a:off x="4310064" y="494935"/>
-              <a:ext cx="2285995" cy="2285995"/>
-            </a:xfrm>
-            <a:prstGeom prst="rect">
-              <a:avLst/>
-            </a:prstGeom>
-            <a:blipFill rotWithShape="1">
-              <a:blip r:embed="rId4">
-                <a:alphaModFix/>
-              </a:blip>
-              <a:stretch>
-                <a:fillRect/>
-              </a:stretch>
-            </a:blipFill>
-            <a:ln>
-              <a:noFill/>
-            </a:ln>
-          </p:spPr>
-          <p:txBody>
-            <a:bodyPr spcFirstLastPara="1" wrap="square" lIns="91425" tIns="91425" rIns="91425" bIns="91425" anchor="ctr" anchorCtr="0">
-              <a:noAutofit/>
-            </a:bodyPr>
-            <a:lstStyle/>
-            <a:p>
-              <a:pPr marL="0" lvl="0" indent="0" algn="l" rtl="0">
-                <a:spcBef>
-                  <a:spcPts val="0"/>
-                </a:spcBef>
-                <a:spcAft>
-                  <a:spcPts val="0"/>
-                </a:spcAft>
-                <a:buNone/>
-              </a:pPr>
-              <a:endParaRPr/>
-            </a:p>
-          </p:txBody>
-        </p:sp>
-        <p:sp>
-          <p:nvSpPr>
-            <p:cNvPr id="153" name="Google Shape;153;p17"/>
-            <p:cNvSpPr/>
-            <p:nvPr/>
-          </p:nvSpPr>
-          <p:spPr>
-            <a:xfrm>
-              <a:off x="3841646" y="2746269"/>
-              <a:ext cx="3222832" cy="720000"/>
-            </a:xfrm>
-            <a:prstGeom prst="rect">
-              <a:avLst/>
-            </a:prstGeom>
-            <a:noFill/>
-            <a:ln>
-              <a:noFill/>
-            </a:ln>
-          </p:spPr>
-          <p:txBody>
-            <a:bodyPr spcFirstLastPara="1" wrap="square" lIns="91425" tIns="91425" rIns="91425" bIns="91425" anchor="ctr" anchorCtr="0">
-              <a:noAutofit/>
-            </a:bodyPr>
-            <a:lstStyle/>
-            <a:p>
-              <a:pPr marL="0" lvl="0" indent="0" algn="l" rtl="0">
-                <a:spcBef>
-                  <a:spcPts val="0"/>
-                </a:spcBef>
-                <a:spcAft>
-                  <a:spcPts val="0"/>
-                </a:spcAft>
-                <a:buNone/>
-              </a:pPr>
-              <a:endParaRPr/>
-            </a:p>
-          </p:txBody>
-        </p:sp>
-        <p:sp>
-          <p:nvSpPr>
-            <p:cNvPr id="154" name="Google Shape;154;p17"/>
-            <p:cNvSpPr txBox="1"/>
-            <p:nvPr/>
-          </p:nvSpPr>
-          <p:spPr>
-            <a:xfrm>
-              <a:off x="3841646" y="2746269"/>
-              <a:ext cx="3222832" cy="720000"/>
-            </a:xfrm>
-            <a:prstGeom prst="rect">
-              <a:avLst/>
-            </a:prstGeom>
-            <a:noFill/>
-            <a:ln>
-              <a:noFill/>
-            </a:ln>
-          </p:spPr>
-          <p:txBody>
-            <a:bodyPr spcFirstLastPara="1" wrap="square" lIns="0" tIns="0" rIns="0" bIns="0" anchor="t" anchorCtr="0">
-              <a:noAutofit/>
-            </a:bodyPr>
-            <a:lstStyle/>
-            <a:p>
-              <a:pPr marL="0" marR="0" lvl="0" indent="0" algn="ctr" rtl="0">
-                <a:lnSpc>
-                  <a:spcPct val="90000"/>
-                </a:lnSpc>
-                <a:spcBef>
-                  <a:spcPts val="0"/>
-                </a:spcBef>
-                <a:spcAft>
-                  <a:spcPts val="0"/>
-                </a:spcAft>
-                <a:buClr>
-                  <a:schemeClr val="dk1"/>
-                </a:buClr>
-                <a:buSzPts val="3600"/>
-                <a:buFont typeface="Gill Sans"/>
-                <a:buNone/>
-              </a:pPr>
-              <a:r>
-                <a:rPr lang="en-US" sz="3600" b="0" i="0" u="none" strike="noStrike" cap="none">
-                  <a:solidFill>
-                    <a:schemeClr val="dk1"/>
-                  </a:solidFill>
-                  <a:latin typeface="Gill Sans"/>
-                  <a:ea typeface="Gill Sans"/>
-                  <a:cs typeface="Gill Sans"/>
-                  <a:sym typeface="Gill Sans"/>
-                </a:rPr>
-                <a:t>Satellite</a:t>
-              </a:r>
-              <a:endParaRPr/>
-            </a:p>
-          </p:txBody>
-        </p:sp>
-        <p:sp>
-          <p:nvSpPr>
-            <p:cNvPr id="155" name="Google Shape;155;p17"/>
-            <p:cNvSpPr/>
-            <p:nvPr/>
-          </p:nvSpPr>
-          <p:spPr>
-            <a:xfrm>
-              <a:off x="8096892" y="494935"/>
-              <a:ext cx="2285995" cy="2285995"/>
-            </a:xfrm>
-            <a:prstGeom prst="rect">
-              <a:avLst/>
-            </a:prstGeom>
-            <a:blipFill rotWithShape="1">
-              <a:blip r:embed="rId5">
-                <a:alphaModFix/>
-              </a:blip>
-              <a:stretch>
-                <a:fillRect/>
-              </a:stretch>
-            </a:blipFill>
-            <a:ln>
-              <a:noFill/>
-            </a:ln>
-          </p:spPr>
-          <p:txBody>
-            <a:bodyPr spcFirstLastPara="1" wrap="square" lIns="91425" tIns="91425" rIns="91425" bIns="91425" anchor="ctr" anchorCtr="0">
-              <a:noAutofit/>
-            </a:bodyPr>
-            <a:lstStyle/>
-            <a:p>
-              <a:pPr marL="0" lvl="0" indent="0" algn="l" rtl="0">
-                <a:spcBef>
-                  <a:spcPts val="0"/>
-                </a:spcBef>
-                <a:spcAft>
-                  <a:spcPts val="0"/>
-                </a:spcAft>
-                <a:buNone/>
-              </a:pPr>
-              <a:endParaRPr/>
-            </a:p>
-          </p:txBody>
-        </p:sp>
-        <p:sp>
-          <p:nvSpPr>
-            <p:cNvPr id="156" name="Google Shape;156;p17"/>
-            <p:cNvSpPr/>
-            <p:nvPr/>
-          </p:nvSpPr>
-          <p:spPr>
-            <a:xfrm>
-              <a:off x="7628474" y="2746269"/>
-              <a:ext cx="3222832" cy="720000"/>
-            </a:xfrm>
-            <a:prstGeom prst="rect">
-              <a:avLst/>
-            </a:prstGeom>
-            <a:noFill/>
-            <a:ln>
-              <a:noFill/>
-            </a:ln>
-          </p:spPr>
-          <p:txBody>
-            <a:bodyPr spcFirstLastPara="1" wrap="square" lIns="91425" tIns="91425" rIns="91425" bIns="91425" anchor="ctr" anchorCtr="0">
-              <a:noAutofit/>
-            </a:bodyPr>
-            <a:lstStyle/>
-            <a:p>
-              <a:pPr marL="0" lvl="0" indent="0" algn="l" rtl="0">
-                <a:spcBef>
-                  <a:spcPts val="0"/>
-                </a:spcBef>
-                <a:spcAft>
-                  <a:spcPts val="0"/>
-                </a:spcAft>
-                <a:buNone/>
-              </a:pPr>
-              <a:endParaRPr/>
-            </a:p>
-          </p:txBody>
-        </p:sp>
-        <p:sp>
-          <p:nvSpPr>
-            <p:cNvPr id="157" name="Google Shape;157;p17"/>
-            <p:cNvSpPr txBox="1"/>
-            <p:nvPr/>
-          </p:nvSpPr>
-          <p:spPr>
-            <a:xfrm>
-              <a:off x="7628474" y="2746269"/>
-              <a:ext cx="3222832" cy="720000"/>
-            </a:xfrm>
-            <a:prstGeom prst="rect">
-              <a:avLst/>
-            </a:prstGeom>
-            <a:noFill/>
-            <a:ln>
-              <a:noFill/>
-            </a:ln>
-          </p:spPr>
-          <p:txBody>
-            <a:bodyPr spcFirstLastPara="1" wrap="square" lIns="0" tIns="0" rIns="0" bIns="0" anchor="t" anchorCtr="0">
-              <a:noAutofit/>
-            </a:bodyPr>
-            <a:lstStyle/>
-            <a:p>
-              <a:pPr marL="0" marR="0" lvl="0" indent="0" algn="ctr" rtl="0">
-                <a:lnSpc>
-                  <a:spcPct val="90000"/>
-                </a:lnSpc>
-                <a:spcBef>
-                  <a:spcPts val="0"/>
-                </a:spcBef>
-                <a:spcAft>
-                  <a:spcPts val="0"/>
-                </a:spcAft>
-                <a:buClr>
-                  <a:schemeClr val="dk1"/>
-                </a:buClr>
-                <a:buSzPts val="3600"/>
-                <a:buFont typeface="Gill Sans"/>
-                <a:buNone/>
-              </a:pPr>
-              <a:r>
-                <a:rPr lang="en-US" sz="3600" b="0" i="0" u="none" strike="noStrike" cap="none">
-                  <a:solidFill>
-                    <a:schemeClr val="dk1"/>
-                  </a:solidFill>
-                  <a:latin typeface="Gill Sans"/>
-                  <a:ea typeface="Gill Sans"/>
-                  <a:cs typeface="Gill Sans"/>
-                  <a:sym typeface="Gill Sans"/>
-                </a:rPr>
-                <a:t>Link</a:t>
-              </a:r>
-              <a:endParaRPr/>
-            </a:p>
-          </p:txBody>
-        </p:sp>
-      </p:grpSp>
-    </p:spTree>
-  </p:cSld>
-  <p:clrMapOvr>
-    <a:masterClrMapping/>
-  </p:clrMapOvr>
-</p:sld>
-</file>
-
-<file path=ppt/slides/slide6.xml><?xml version="1.0" encoding="utf-8"?>
-<p:sld xmlns:a="http://schemas.openxmlformats.org/drawingml/2006/main" xmlns:r="http://schemas.openxmlformats.org/officeDocument/2006/relationships" xmlns:p="http://schemas.openxmlformats.org/presentationml/2006/main">
-  <p:cSld>
-    <p:bg>
-      <p:bgPr>
-        <a:solidFill>
-          <a:schemeClr val="lt1"/>
-        </a:solidFill>
-        <a:effectLst/>
-      </p:bgPr>
-    </p:bg>
-    <p:spTree>
-      <p:nvGrpSpPr>
-        <p:cNvPr id="1" name="Shape 162"/>
-        <p:cNvGrpSpPr/>
-        <p:nvPr/>
-      </p:nvGrpSpPr>
-      <p:grpSpPr>
-        <a:xfrm>
-          <a:off x="0" y="0"/>
-          <a:ext cx="0" cy="0"/>
-          <a:chOff x="0" y="0"/>
-          <a:chExt cx="0" cy="0"/>
-        </a:xfrm>
-      </p:grpSpPr>
-      <p:sp>
-        <p:nvSpPr>
-          <p:cNvPr id="163" name="Google Shape;163;p18"/>
-          <p:cNvSpPr/>
-          <p:nvPr/>
-        </p:nvSpPr>
-        <p:spPr>
-          <a:xfrm>
-            <a:off x="0" y="0"/>
-            <a:ext cx="12192000" cy="6858000"/>
-          </a:xfrm>
-          <a:prstGeom prst="rect">
-            <a:avLst/>
-          </a:prstGeom>
-          <a:solidFill>
-            <a:schemeClr val="lt1"/>
-          </a:solidFill>
-          <a:ln>
-            <a:noFill/>
-          </a:ln>
-        </p:spPr>
-        <p:txBody>
-          <a:bodyPr spcFirstLastPara="1" wrap="square" lIns="91425" tIns="45700" rIns="91425" bIns="45700" anchor="ctr" anchorCtr="0">
-            <a:noAutofit/>
-          </a:bodyPr>
-          <a:lstStyle/>
-          <a:p>
-            <a:pPr marL="0" marR="0" lvl="0" indent="0" algn="ctr" rtl="0">
-              <a:spcBef>
-                <a:spcPts val="0"/>
-              </a:spcBef>
-              <a:spcAft>
-                <a:spcPts val="0"/>
-              </a:spcAft>
-              <a:buNone/>
-            </a:pPr>
-            <a:endParaRPr sz="1800" b="0" i="0" u="none" strike="noStrike" cap="none">
-              <a:solidFill>
-                <a:schemeClr val="lt1"/>
-              </a:solidFill>
-              <a:latin typeface="Gill Sans"/>
-              <a:ea typeface="Gill Sans"/>
-              <a:cs typeface="Gill Sans"/>
-              <a:sym typeface="Gill Sans"/>
-            </a:endParaRPr>
-          </a:p>
-        </p:txBody>
-      </p:sp>
-      <p:pic>
-        <p:nvPicPr>
-          <p:cNvPr id="164" name="Google Shape;164;p18" descr="Digital Numbers"/>
-          <p:cNvPicPr preferRelativeResize="0"/>
-          <p:nvPr/>
-        </p:nvPicPr>
-        <p:blipFill rotWithShape="1">
-          <a:blip r:embed="rId3">
-            <a:alphaModFix/>
-          </a:blip>
-          <a:srcRect t="10681" r="9091" b="12710"/>
-          <a:stretch/>
-        </p:blipFill>
-        <p:spPr>
-          <a:xfrm>
-            <a:off x="20" y="10"/>
-            <a:ext cx="12191980" cy="6857990"/>
-          </a:xfrm>
-          <a:prstGeom prst="rect">
-            <a:avLst/>
-          </a:prstGeom>
-          <a:noFill/>
-          <a:ln>
-            <a:noFill/>
-          </a:ln>
-        </p:spPr>
-      </p:pic>
-      <p:grpSp>
-        <p:nvGrpSpPr>
-          <p:cNvPr id="165" name="Google Shape;165;p18"/>
-          <p:cNvGrpSpPr/>
-          <p:nvPr/>
-        </p:nvGrpSpPr>
-        <p:grpSpPr>
-          <a:xfrm>
-            <a:off x="438067" y="457200"/>
-            <a:ext cx="7507083" cy="5935132"/>
-            <a:chOff x="438067" y="457200"/>
-            <a:chExt cx="7507083" cy="5935132"/>
-          </a:xfrm>
-        </p:grpSpPr>
-        <p:sp>
-          <p:nvSpPr>
-            <p:cNvPr id="166" name="Google Shape;166;p18"/>
-            <p:cNvSpPr/>
-            <p:nvPr/>
-          </p:nvSpPr>
-          <p:spPr>
-            <a:xfrm>
-              <a:off x="438067" y="618067"/>
-              <a:ext cx="7503665" cy="5774265"/>
-            </a:xfrm>
-            <a:prstGeom prst="rect">
-              <a:avLst/>
-            </a:prstGeom>
-            <a:solidFill>
-              <a:schemeClr val="accent1">
-                <a:alpha val="96862"/>
-              </a:schemeClr>
-            </a:solidFill>
-            <a:ln>
-              <a:noFill/>
-            </a:ln>
-          </p:spPr>
-          <p:txBody>
-            <a:bodyPr spcFirstLastPara="1" wrap="square" lIns="91425" tIns="91425" rIns="91425" bIns="91425" anchor="ctr" anchorCtr="0">
-              <a:noAutofit/>
-            </a:bodyPr>
-            <a:lstStyle/>
-            <a:p>
-              <a:pPr marL="0" lvl="0" indent="0" algn="l" rtl="0">
-                <a:spcBef>
-                  <a:spcPts val="0"/>
-                </a:spcBef>
-                <a:spcAft>
-                  <a:spcPts val="0"/>
-                </a:spcAft>
-                <a:buNone/>
-              </a:pPr>
-              <a:endParaRPr/>
-            </a:p>
-          </p:txBody>
-        </p:sp>
-        <p:sp>
-          <p:nvSpPr>
-            <p:cNvPr id="167" name="Google Shape;167;p18"/>
-            <p:cNvSpPr/>
-            <p:nvPr/>
-          </p:nvSpPr>
-          <p:spPr>
-            <a:xfrm>
-              <a:off x="438068" y="457200"/>
-              <a:ext cx="3703320" cy="94997"/>
-            </a:xfrm>
-            <a:prstGeom prst="rect">
-              <a:avLst/>
-            </a:prstGeom>
-            <a:solidFill>
-              <a:schemeClr val="accent1"/>
-            </a:solidFill>
-            <a:ln>
-              <a:noFill/>
-            </a:ln>
-          </p:spPr>
-          <p:txBody>
-            <a:bodyPr spcFirstLastPara="1" wrap="square" lIns="91425" tIns="91425" rIns="91425" bIns="91425" anchor="ctr" anchorCtr="0">
-              <a:noAutofit/>
-            </a:bodyPr>
-            <a:lstStyle/>
-            <a:p>
-              <a:pPr marL="0" lvl="0" indent="0" algn="l" rtl="0">
-                <a:spcBef>
-                  <a:spcPts val="0"/>
-                </a:spcBef>
-                <a:spcAft>
-                  <a:spcPts val="0"/>
-                </a:spcAft>
-                <a:buNone/>
-              </a:pPr>
-              <a:endParaRPr/>
-            </a:p>
-          </p:txBody>
-        </p:sp>
-        <p:sp>
-          <p:nvSpPr>
-            <p:cNvPr id="168" name="Google Shape;168;p18"/>
-            <p:cNvSpPr/>
-            <p:nvPr/>
-          </p:nvSpPr>
-          <p:spPr>
-            <a:xfrm>
-              <a:off x="4241830" y="457200"/>
-              <a:ext cx="3703320" cy="91440"/>
-            </a:xfrm>
-            <a:prstGeom prst="rect">
-              <a:avLst/>
-            </a:prstGeom>
-            <a:solidFill>
-              <a:schemeClr val="accent2"/>
-            </a:solidFill>
-            <a:ln>
-              <a:noFill/>
-            </a:ln>
-          </p:spPr>
-          <p:txBody>
-            <a:bodyPr spcFirstLastPara="1" wrap="square" lIns="91425" tIns="91425" rIns="91425" bIns="91425" anchor="ctr" anchorCtr="0">
-              <a:noAutofit/>
-            </a:bodyPr>
-            <a:lstStyle/>
-            <a:p>
-              <a:pPr marL="0" lvl="0" indent="0" algn="l" rtl="0">
-                <a:spcBef>
-                  <a:spcPts val="0"/>
-                </a:spcBef>
-                <a:spcAft>
-                  <a:spcPts val="0"/>
-                </a:spcAft>
-                <a:buNone/>
-              </a:pPr>
-              <a:endParaRPr/>
-            </a:p>
-          </p:txBody>
-        </p:sp>
-      </p:grpSp>
-      <p:sp>
-        <p:nvSpPr>
-          <p:cNvPr id="169" name="Google Shape;169;p18"/>
-          <p:cNvSpPr txBox="1">
-            <a:spLocks noGrp="1"/>
-          </p:cNvSpPr>
-          <p:nvPr>
-            <p:ph type="title"/>
-          </p:nvPr>
-        </p:nvSpPr>
-        <p:spPr>
-          <a:xfrm>
-            <a:off x="584200" y="1006956"/>
-            <a:ext cx="7213600" cy="1121871"/>
-          </a:xfrm>
-          <a:prstGeom prst="rect">
-            <a:avLst/>
-          </a:prstGeom>
-          <a:noFill/>
-          <a:ln>
-            <a:noFill/>
-          </a:ln>
-        </p:spPr>
-        <p:txBody>
-          <a:bodyPr spcFirstLastPara="1" wrap="square" lIns="91425" tIns="45700" rIns="91425" bIns="45700" anchor="ctr" anchorCtr="0">
-            <a:noAutofit/>
-          </a:bodyPr>
-          <a:lstStyle/>
-          <a:p>
-            <a:pPr marL="0" lvl="0" indent="0" algn="ctr" rtl="0">
-              <a:spcBef>
-                <a:spcPts val="0"/>
-              </a:spcBef>
-              <a:spcAft>
-                <a:spcPts val="0"/>
-              </a:spcAft>
-              <a:buClr>
-                <a:schemeClr val="lt1"/>
-              </a:buClr>
-              <a:buSzPts val="2800"/>
-              <a:buFont typeface="Gill Sans"/>
-              <a:buNone/>
-            </a:pPr>
-            <a:r>
-              <a:rPr lang="en-US"/>
-              <a:t>OTHER SLIDE FORMAT OPTION</a:t>
-            </a:r>
-            <a:endParaRPr/>
-          </a:p>
-        </p:txBody>
-      </p:sp>
-      <p:grpSp>
-        <p:nvGrpSpPr>
-          <p:cNvPr id="170" name="Google Shape;170;p18"/>
-          <p:cNvGrpSpPr/>
-          <p:nvPr/>
-        </p:nvGrpSpPr>
-        <p:grpSpPr>
-          <a:xfrm>
-            <a:off x="-3309003" y="1579857"/>
-            <a:ext cx="10835533" cy="4800732"/>
-            <a:chOff x="-4028574" y="-618397"/>
-            <a:chExt cx="10835533" cy="4800732"/>
-          </a:xfrm>
-        </p:grpSpPr>
-        <p:sp>
-          <p:nvSpPr>
-            <p:cNvPr id="171" name="Google Shape;171;p18"/>
-            <p:cNvSpPr/>
-            <p:nvPr/>
-          </p:nvSpPr>
-          <p:spPr>
-            <a:xfrm>
-              <a:off x="-4028574" y="-618397"/>
-              <a:ext cx="4800732" cy="4800732"/>
-            </a:xfrm>
-            <a:prstGeom prst="blockArc">
-              <a:avLst>
-                <a:gd name="adj1" fmla="val 18900000"/>
-                <a:gd name="adj2" fmla="val 2700000"/>
-                <a:gd name="adj3" fmla="val 450"/>
-              </a:avLst>
-            </a:prstGeom>
-            <a:noFill/>
-            <a:ln w="12700" cap="rnd" cmpd="sng">
-              <a:solidFill>
-                <a:srgbClr val="337291"/>
-              </a:solidFill>
-              <a:prstDash val="solid"/>
-              <a:round/>
-              <a:headEnd type="none" w="sm" len="sm"/>
-              <a:tailEnd type="none" w="sm" len="sm"/>
-            </a:ln>
-          </p:spPr>
-          <p:txBody>
-            <a:bodyPr spcFirstLastPara="1" wrap="square" lIns="91425" tIns="91425" rIns="91425" bIns="91425" anchor="ctr" anchorCtr="0">
-              <a:noAutofit/>
-            </a:bodyPr>
-            <a:lstStyle/>
-            <a:p>
-              <a:pPr marL="0" lvl="0" indent="0" algn="l" rtl="0">
-                <a:spcBef>
-                  <a:spcPts val="0"/>
-                </a:spcBef>
-                <a:spcAft>
-                  <a:spcPts val="0"/>
-                </a:spcAft>
-                <a:buNone/>
-              </a:pPr>
-              <a:endParaRPr/>
-            </a:p>
-          </p:txBody>
-        </p:sp>
-        <p:sp>
-          <p:nvSpPr>
-            <p:cNvPr id="172" name="Google Shape;172;p18"/>
-            <p:cNvSpPr/>
-            <p:nvPr/>
-          </p:nvSpPr>
-          <p:spPr>
-            <a:xfrm>
-              <a:off x="496568" y="356393"/>
-              <a:ext cx="6310391" cy="712787"/>
-            </a:xfrm>
-            <a:prstGeom prst="rect">
-              <a:avLst/>
-            </a:prstGeom>
-            <a:gradFill>
-              <a:gsLst>
-                <a:gs pos="0">
-                  <a:srgbClr val="609EC1"/>
-                </a:gs>
-                <a:gs pos="84000">
-                  <a:srgbClr val="38789A"/>
-                </a:gs>
-                <a:gs pos="100000">
-                  <a:srgbClr val="38789A"/>
-                </a:gs>
-              </a:gsLst>
-              <a:lin ang="5400000" scaled="0"/>
-            </a:gradFill>
-            <a:ln>
-              <a:noFill/>
-            </a:ln>
-            <a:effectLst>
-              <a:outerShdw blurRad="38100" dist="25400" dir="5400000" rotWithShape="0">
-                <a:srgbClr val="000000">
-                  <a:alpha val="54901"/>
-                </a:srgbClr>
-              </a:outerShdw>
-            </a:effectLst>
-          </p:spPr>
-          <p:txBody>
-            <a:bodyPr spcFirstLastPara="1" wrap="square" lIns="91425" tIns="91425" rIns="91425" bIns="91425" anchor="ctr" anchorCtr="0">
-              <a:noAutofit/>
-            </a:bodyPr>
-            <a:lstStyle/>
-            <a:p>
-              <a:pPr marL="0" lvl="0" indent="0" algn="l" rtl="0">
-                <a:spcBef>
-                  <a:spcPts val="0"/>
-                </a:spcBef>
-                <a:spcAft>
-                  <a:spcPts val="0"/>
-                </a:spcAft>
-                <a:buNone/>
-              </a:pPr>
-              <a:endParaRPr/>
-            </a:p>
-          </p:txBody>
-        </p:sp>
-        <p:sp>
-          <p:nvSpPr>
-            <p:cNvPr id="173" name="Google Shape;173;p18"/>
-            <p:cNvSpPr txBox="1"/>
-            <p:nvPr/>
-          </p:nvSpPr>
-          <p:spPr>
-            <a:xfrm>
-              <a:off x="496568" y="356393"/>
-              <a:ext cx="6310391" cy="712787"/>
-            </a:xfrm>
-            <a:prstGeom prst="rect">
-              <a:avLst/>
-            </a:prstGeom>
-            <a:noFill/>
-            <a:ln>
-              <a:noFill/>
-            </a:ln>
-          </p:spPr>
-          <p:txBody>
-            <a:bodyPr spcFirstLastPara="1" wrap="square" lIns="565775" tIns="88900" rIns="88900" bIns="88900" anchor="ctr" anchorCtr="0">
-              <a:noAutofit/>
-            </a:bodyPr>
-            <a:lstStyle/>
-            <a:p>
-              <a:pPr marL="0" marR="0" lvl="0" indent="0" algn="l" rtl="0">
-                <a:lnSpc>
-                  <a:spcPct val="100000"/>
-                </a:lnSpc>
-                <a:spcBef>
-                  <a:spcPts val="0"/>
-                </a:spcBef>
-                <a:spcAft>
-                  <a:spcPts val="0"/>
-                </a:spcAft>
-                <a:buClr>
-                  <a:schemeClr val="lt1"/>
-                </a:buClr>
-                <a:buSzPts val="3500"/>
-                <a:buFont typeface="Gill Sans"/>
-                <a:buNone/>
-              </a:pPr>
-              <a:r>
-                <a:rPr lang="en-US" sz="3500" b="0" i="0" u="none" strike="noStrike" cap="none">
-                  <a:solidFill>
-                    <a:schemeClr val="lt1"/>
-                  </a:solidFill>
-                  <a:latin typeface="Gill Sans"/>
-                  <a:ea typeface="Gill Sans"/>
-                  <a:cs typeface="Gill Sans"/>
-                  <a:sym typeface="Gill Sans"/>
-                </a:rPr>
-                <a:t>Cloud	</a:t>
-              </a:r>
-              <a:endParaRPr/>
-            </a:p>
-          </p:txBody>
-        </p:sp>
-        <p:sp>
-          <p:nvSpPr>
-            <p:cNvPr id="174" name="Google Shape;174;p18"/>
-            <p:cNvSpPr/>
-            <p:nvPr/>
-          </p:nvSpPr>
-          <p:spPr>
-            <a:xfrm>
-              <a:off x="51076" y="267295"/>
-              <a:ext cx="890984" cy="890984"/>
-            </a:xfrm>
-            <a:prstGeom prst="ellipse">
-              <a:avLst/>
-            </a:prstGeom>
-            <a:solidFill>
-              <a:schemeClr val="lt1"/>
-            </a:solidFill>
-            <a:ln w="12700" cap="rnd" cmpd="sng">
-              <a:solidFill>
-                <a:srgbClr val="4490B8"/>
-              </a:solidFill>
-              <a:prstDash val="solid"/>
-              <a:round/>
-              <a:headEnd type="none" w="sm" len="sm"/>
-              <a:tailEnd type="none" w="sm" len="sm"/>
-            </a:ln>
-          </p:spPr>
-          <p:txBody>
-            <a:bodyPr spcFirstLastPara="1" wrap="square" lIns="91425" tIns="91425" rIns="91425" bIns="91425" anchor="ctr" anchorCtr="0">
-              <a:noAutofit/>
-            </a:bodyPr>
-            <a:lstStyle/>
-            <a:p>
-              <a:pPr marL="0" lvl="0" indent="0" algn="l" rtl="0">
-                <a:spcBef>
-                  <a:spcPts val="0"/>
-                </a:spcBef>
-                <a:spcAft>
-                  <a:spcPts val="0"/>
-                </a:spcAft>
-                <a:buNone/>
-              </a:pPr>
-              <a:endParaRPr/>
-            </a:p>
-          </p:txBody>
-        </p:sp>
-        <p:sp>
-          <p:nvSpPr>
-            <p:cNvPr id="175" name="Google Shape;175;p18"/>
-            <p:cNvSpPr/>
-            <p:nvPr/>
-          </p:nvSpPr>
-          <p:spPr>
-            <a:xfrm>
-              <a:off x="755666" y="1425575"/>
-              <a:ext cx="6051292" cy="712787"/>
-            </a:xfrm>
-            <a:prstGeom prst="rect">
-              <a:avLst/>
-            </a:prstGeom>
-            <a:gradFill>
-              <a:gsLst>
-                <a:gs pos="0">
-                  <a:srgbClr val="609EC1"/>
-                </a:gs>
-                <a:gs pos="84000">
-                  <a:srgbClr val="38789A"/>
-                </a:gs>
-                <a:gs pos="100000">
-                  <a:srgbClr val="38789A"/>
-                </a:gs>
-              </a:gsLst>
-              <a:lin ang="5400000" scaled="0"/>
-            </a:gradFill>
-            <a:ln>
-              <a:noFill/>
-            </a:ln>
-            <a:effectLst>
-              <a:outerShdw blurRad="38100" dist="25400" dir="5400000" rotWithShape="0">
-                <a:srgbClr val="000000">
-                  <a:alpha val="54901"/>
-                </a:srgbClr>
-              </a:outerShdw>
-            </a:effectLst>
-          </p:spPr>
-          <p:txBody>
-            <a:bodyPr spcFirstLastPara="1" wrap="square" lIns="91425" tIns="91425" rIns="91425" bIns="91425" anchor="ctr" anchorCtr="0">
-              <a:noAutofit/>
-            </a:bodyPr>
-            <a:lstStyle/>
-            <a:p>
-              <a:pPr marL="0" lvl="0" indent="0" algn="l" rtl="0">
-                <a:spcBef>
-                  <a:spcPts val="0"/>
-                </a:spcBef>
-                <a:spcAft>
-                  <a:spcPts val="0"/>
-                </a:spcAft>
-                <a:buNone/>
-              </a:pPr>
-              <a:endParaRPr/>
-            </a:p>
-          </p:txBody>
-        </p:sp>
-        <p:sp>
-          <p:nvSpPr>
-            <p:cNvPr id="176" name="Google Shape;176;p18"/>
-            <p:cNvSpPr txBox="1"/>
-            <p:nvPr/>
-          </p:nvSpPr>
-          <p:spPr>
-            <a:xfrm>
-              <a:off x="755666" y="1425575"/>
-              <a:ext cx="6051292" cy="712787"/>
-            </a:xfrm>
-            <a:prstGeom prst="rect">
-              <a:avLst/>
-            </a:prstGeom>
-            <a:noFill/>
-            <a:ln>
-              <a:noFill/>
-            </a:ln>
-          </p:spPr>
-          <p:txBody>
-            <a:bodyPr spcFirstLastPara="1" wrap="square" lIns="565775" tIns="88900" rIns="88900" bIns="88900" anchor="ctr" anchorCtr="0">
-              <a:noAutofit/>
-            </a:bodyPr>
-            <a:lstStyle/>
-            <a:p>
-              <a:pPr marL="0" marR="0" lvl="0" indent="0" algn="l" rtl="0">
-                <a:lnSpc>
-                  <a:spcPct val="100000"/>
-                </a:lnSpc>
-                <a:spcBef>
-                  <a:spcPts val="0"/>
-                </a:spcBef>
-                <a:spcAft>
-                  <a:spcPts val="0"/>
-                </a:spcAft>
-                <a:buClr>
-                  <a:schemeClr val="lt1"/>
-                </a:buClr>
-                <a:buSzPts val="3500"/>
-                <a:buFont typeface="Gill Sans"/>
-                <a:buNone/>
-              </a:pPr>
-              <a:r>
-                <a:rPr lang="en-US" sz="3500" b="0" i="0" u="none" strike="noStrike" cap="none">
-                  <a:solidFill>
-                    <a:schemeClr val="lt1"/>
-                  </a:solidFill>
-                  <a:latin typeface="Gill Sans"/>
-                  <a:ea typeface="Gill Sans"/>
-                  <a:cs typeface="Gill Sans"/>
-                  <a:sym typeface="Gill Sans"/>
-                </a:rPr>
-                <a:t>Local</a:t>
-              </a:r>
-              <a:endParaRPr/>
-            </a:p>
-          </p:txBody>
-        </p:sp>
-        <p:sp>
-          <p:nvSpPr>
-            <p:cNvPr id="177" name="Google Shape;177;p18"/>
-            <p:cNvSpPr/>
-            <p:nvPr/>
-          </p:nvSpPr>
-          <p:spPr>
-            <a:xfrm>
-              <a:off x="310174" y="1336476"/>
-              <a:ext cx="890984" cy="890984"/>
-            </a:xfrm>
-            <a:prstGeom prst="ellipse">
-              <a:avLst/>
-            </a:prstGeom>
-            <a:solidFill>
-              <a:schemeClr val="lt1"/>
-            </a:solidFill>
-            <a:ln w="12700" cap="rnd" cmpd="sng">
-              <a:solidFill>
-                <a:srgbClr val="4490B8"/>
-              </a:solidFill>
-              <a:prstDash val="solid"/>
-              <a:round/>
-              <a:headEnd type="none" w="sm" len="sm"/>
-              <a:tailEnd type="none" w="sm" len="sm"/>
-            </a:ln>
-          </p:spPr>
-          <p:txBody>
-            <a:bodyPr spcFirstLastPara="1" wrap="square" lIns="91425" tIns="91425" rIns="91425" bIns="91425" anchor="ctr" anchorCtr="0">
-              <a:noAutofit/>
-            </a:bodyPr>
-            <a:lstStyle/>
-            <a:p>
-              <a:pPr marL="0" lvl="0" indent="0" algn="l" rtl="0">
-                <a:spcBef>
-                  <a:spcPts val="0"/>
-                </a:spcBef>
-                <a:spcAft>
-                  <a:spcPts val="0"/>
-                </a:spcAft>
-                <a:buNone/>
-              </a:pPr>
-              <a:endParaRPr/>
-            </a:p>
-          </p:txBody>
-        </p:sp>
-        <p:sp>
-          <p:nvSpPr>
-            <p:cNvPr id="178" name="Google Shape;178;p18"/>
-            <p:cNvSpPr/>
-            <p:nvPr/>
-          </p:nvSpPr>
-          <p:spPr>
-            <a:xfrm>
-              <a:off x="496568" y="2494756"/>
-              <a:ext cx="6310391" cy="712787"/>
-            </a:xfrm>
-            <a:prstGeom prst="rect">
-              <a:avLst/>
-            </a:prstGeom>
-            <a:gradFill>
-              <a:gsLst>
-                <a:gs pos="0">
-                  <a:srgbClr val="609EC1"/>
-                </a:gs>
-                <a:gs pos="84000">
-                  <a:srgbClr val="38789A"/>
-                </a:gs>
-                <a:gs pos="100000">
-                  <a:srgbClr val="38789A"/>
-                </a:gs>
-              </a:gsLst>
-              <a:lin ang="5400000" scaled="0"/>
-            </a:gradFill>
-            <a:ln>
-              <a:noFill/>
-            </a:ln>
-            <a:effectLst>
-              <a:outerShdw blurRad="38100" dist="25400" dir="5400000" rotWithShape="0">
-                <a:srgbClr val="000000">
-                  <a:alpha val="54901"/>
-                </a:srgbClr>
-              </a:outerShdw>
-            </a:effectLst>
-          </p:spPr>
-          <p:txBody>
-            <a:bodyPr spcFirstLastPara="1" wrap="square" lIns="91425" tIns="91425" rIns="91425" bIns="91425" anchor="ctr" anchorCtr="0">
-              <a:noAutofit/>
-            </a:bodyPr>
-            <a:lstStyle/>
-            <a:p>
-              <a:pPr marL="0" lvl="0" indent="0" algn="l" rtl="0">
-                <a:spcBef>
-                  <a:spcPts val="0"/>
-                </a:spcBef>
-                <a:spcAft>
-                  <a:spcPts val="0"/>
-                </a:spcAft>
-                <a:buNone/>
-              </a:pPr>
-              <a:endParaRPr/>
-            </a:p>
-          </p:txBody>
-        </p:sp>
-        <p:sp>
-          <p:nvSpPr>
-            <p:cNvPr id="179" name="Google Shape;179;p18"/>
-            <p:cNvSpPr txBox="1"/>
-            <p:nvPr/>
-          </p:nvSpPr>
-          <p:spPr>
-            <a:xfrm>
-              <a:off x="496568" y="2494756"/>
-              <a:ext cx="6310391" cy="712787"/>
-            </a:xfrm>
-            <a:prstGeom prst="rect">
-              <a:avLst/>
-            </a:prstGeom>
-            <a:noFill/>
-            <a:ln>
-              <a:noFill/>
-            </a:ln>
-          </p:spPr>
-          <p:txBody>
-            <a:bodyPr spcFirstLastPara="1" wrap="square" lIns="565775" tIns="88900" rIns="88900" bIns="88900" anchor="ctr" anchorCtr="0">
-              <a:noAutofit/>
-            </a:bodyPr>
-            <a:lstStyle/>
-            <a:p>
-              <a:pPr marL="0" marR="0" lvl="0" indent="0" algn="l" rtl="0">
-                <a:lnSpc>
-                  <a:spcPct val="100000"/>
-                </a:lnSpc>
-                <a:spcBef>
-                  <a:spcPts val="0"/>
-                </a:spcBef>
-                <a:spcAft>
-                  <a:spcPts val="0"/>
-                </a:spcAft>
-                <a:buClr>
-                  <a:schemeClr val="lt1"/>
-                </a:buClr>
-                <a:buSzPts val="3500"/>
-                <a:buFont typeface="Gill Sans"/>
-                <a:buNone/>
-              </a:pPr>
-              <a:r>
-                <a:rPr lang="en-US" sz="3500" b="0" i="0" u="none" strike="noStrike" cap="none">
-                  <a:solidFill>
-                    <a:schemeClr val="lt1"/>
-                  </a:solidFill>
-                  <a:latin typeface="Gill Sans"/>
-                  <a:ea typeface="Gill Sans"/>
-                  <a:cs typeface="Gill Sans"/>
-                  <a:sym typeface="Gill Sans"/>
-                </a:rPr>
-                <a:t>Hybrid</a:t>
-              </a:r>
-              <a:endParaRPr/>
-            </a:p>
-          </p:txBody>
-        </p:sp>
-        <p:sp>
-          <p:nvSpPr>
-            <p:cNvPr id="180" name="Google Shape;180;p18"/>
-            <p:cNvSpPr/>
-            <p:nvPr/>
-          </p:nvSpPr>
-          <p:spPr>
-            <a:xfrm>
-              <a:off x="51076" y="2405658"/>
-              <a:ext cx="890984" cy="890984"/>
-            </a:xfrm>
-            <a:prstGeom prst="ellipse">
-              <a:avLst/>
-            </a:prstGeom>
-            <a:solidFill>
-              <a:schemeClr val="lt1"/>
-            </a:solidFill>
-            <a:ln w="12700" cap="rnd" cmpd="sng">
-              <a:solidFill>
-                <a:srgbClr val="4490B8"/>
-              </a:solidFill>
-              <a:prstDash val="solid"/>
-              <a:round/>
-              <a:headEnd type="none" w="sm" len="sm"/>
-              <a:tailEnd type="none" w="sm" len="sm"/>
-            </a:ln>
-          </p:spPr>
-          <p:txBody>
-            <a:bodyPr spcFirstLastPara="1" wrap="square" lIns="91425" tIns="91425" rIns="91425" bIns="91425" anchor="ctr" anchorCtr="0">
-              <a:noAutofit/>
-            </a:bodyPr>
-            <a:lstStyle/>
-            <a:p>
-              <a:pPr marL="0" lvl="0" indent="0" algn="l" rtl="0">
-                <a:spcBef>
-                  <a:spcPts val="0"/>
-                </a:spcBef>
-                <a:spcAft>
-                  <a:spcPts val="0"/>
-                </a:spcAft>
-                <a:buNone/>
-              </a:pPr>
-              <a:endParaRPr/>
-            </a:p>
-          </p:txBody>
-        </p:sp>
-      </p:grpSp>
     </p:spTree>
   </p:cSld>
   <p:clrMapOvr>
